--- a/RTSEG_REAL-TIME SEMANTIC SEGMENTATION COMPARATIVE STUDY_논문정리.pptx
+++ b/RTSEG_REAL-TIME SEMANTIC SEGMENTATION COMPARATIVE STUDY_논문정리.pptx
@@ -10,13 +10,13 @@
     <p:sldId id="257" r:id="rId4"/>
     <p:sldId id="258" r:id="rId5"/>
     <p:sldId id="259" r:id="rId6"/>
-    <p:sldId id="260" r:id="rId7"/>
-    <p:sldId id="261" r:id="rId8"/>
-    <p:sldId id="262" r:id="rId9"/>
-    <p:sldId id="263" r:id="rId10"/>
+    <p:sldId id="261" r:id="rId7"/>
+    <p:sldId id="262" r:id="rId8"/>
+    <p:sldId id="263" r:id="rId9"/>
+    <p:sldId id="265" r:id="rId10"/>
     <p:sldId id="264" r:id="rId11"/>
-    <p:sldId id="265" r:id="rId12"/>
-    <p:sldId id="266" r:id="rId13"/>
+    <p:sldId id="266" r:id="rId12"/>
+    <p:sldId id="267" r:id="rId13"/>
   </p:sldIdLst>
   <p:sldSz cx="9144000" cy="6858000" type="screen4x3"/>
   <p:notesSz cx="6858000" cy="9144000"/>
@@ -6800,7 +6800,7 @@
           <a:p>
             <a:fld id="{76ADBC90-6130-4404-B8FE-3F165ECB9C65}" type="datetimeFigureOut">
               <a:rPr lang="ko-KR" altLang="en-US" smtClean="0"/>
-              <a:t>2020-01-13</a:t>
+              <a:t>2020-01-17</a:t>
             </a:fld>
             <a:endParaRPr lang="ko-KR" altLang="en-US"/>
           </a:p>
@@ -8853,136 +8853,20 @@
           <a:bodyPr/>
           <a:lstStyle/>
           <a:p>
-            <a:pPr>
-              <a:buSzPct val="100000"/>
-            </a:pPr>
-            <a:r>
-              <a:rPr lang="en-US" altLang="ko-KR" dirty="0"/>
-              <a:t>Structure Comparison and </a:t>
-            </a:r>
-            <a:r>
-              <a:rPr lang="en-US" altLang="ko-KR" dirty="0" smtClean="0"/>
-              <a:t>Analysis</a:t>
-            </a:r>
-          </a:p>
-          <a:p>
-            <a:pPr>
-              <a:buSzPct val="100000"/>
-            </a:pPr>
-            <a:endParaRPr lang="en-US" altLang="ko-KR" dirty="0"/>
-          </a:p>
-          <a:p>
-            <a:pPr>
-              <a:buSzPct val="100000"/>
-            </a:pPr>
-            <a:endParaRPr lang="en-US" altLang="ko-KR" dirty="0" smtClean="0"/>
-          </a:p>
-          <a:p>
-            <a:pPr>
-              <a:buSzPct val="100000"/>
-            </a:pPr>
-            <a:endParaRPr lang="en-US" altLang="ko-KR" dirty="0"/>
-          </a:p>
-          <a:p>
-            <a:pPr>
-              <a:buSzPct val="100000"/>
-            </a:pPr>
-            <a:endParaRPr lang="en-US" altLang="ko-KR" dirty="0" smtClean="0"/>
-          </a:p>
-          <a:p>
-            <a:pPr>
-              <a:buSzPct val="100000"/>
-            </a:pPr>
-            <a:endParaRPr lang="en-US" altLang="ko-KR" dirty="0"/>
-          </a:p>
-          <a:p>
-            <a:pPr>
-              <a:buSzPct val="100000"/>
-            </a:pPr>
-            <a:endParaRPr lang="en-US" altLang="ko-KR" dirty="0" smtClean="0"/>
-          </a:p>
-          <a:p>
             <a:pPr lvl="1">
               <a:buSzPct val="100000"/>
             </a:pPr>
             <a:r>
-              <a:rPr lang="en-US" altLang="ko-KR" dirty="0" smtClean="0"/>
-              <a:t>(a) : FCN / (b) : SegNet / (c) : Multi-scale prediction ensemble(PSPNet) / (d) : ICNet</a:t>
-            </a:r>
+              <a:rPr lang="ko-KR" altLang="en-US" dirty="0" smtClean="0"/>
+              <a:t>결과</a:t>
+            </a:r>
+            <a:endParaRPr lang="en-US" altLang="ko-KR" dirty="0" smtClean="0"/>
           </a:p>
           <a:p>
             <a:pPr lvl="1">
               <a:buSzPct val="100000"/>
             </a:pPr>
-            <a:r>
-              <a:rPr lang="ko-KR" altLang="en-US" dirty="0" smtClean="0"/>
-              <a:t>다른 </a:t>
-            </a:r>
-            <a:r>
-              <a:rPr lang="en-US" altLang="ko-KR" dirty="0" smtClean="0"/>
-              <a:t>framework</a:t>
-            </a:r>
-            <a:r>
-              <a:rPr lang="ko-KR" altLang="en-US" dirty="0" smtClean="0"/>
-              <a:t>는</a:t>
-            </a:r>
-            <a:r>
-              <a:rPr lang="en-US" altLang="ko-KR" dirty="0"/>
-              <a:t> </a:t>
-            </a:r>
-            <a:r>
-              <a:rPr lang="ko-KR" altLang="en-US" dirty="0" smtClean="0"/>
-              <a:t>고화질 </a:t>
-            </a:r>
-            <a:r>
-              <a:rPr lang="en-US" altLang="ko-KR" dirty="0" smtClean="0"/>
-              <a:t>input</a:t>
-            </a:r>
-            <a:r>
-              <a:rPr lang="ko-KR" altLang="en-US" dirty="0" smtClean="0"/>
-              <a:t>에 상대적으로 집중적인 계산이 이루어지는 반면</a:t>
-            </a:r>
-            <a:r>
-              <a:rPr lang="en-US" altLang="ko-KR" dirty="0" smtClean="0"/>
-              <a:t>, ICNet</a:t>
-            </a:r>
-            <a:r>
-              <a:rPr lang="ko-KR" altLang="en-US" dirty="0" smtClean="0"/>
-              <a:t>은 저화질을 </a:t>
-            </a:r>
-            <a:r>
-              <a:rPr lang="en-US" altLang="ko-KR" dirty="0" smtClean="0"/>
-              <a:t>Heavy CNN</a:t>
-            </a:r>
-            <a:r>
-              <a:rPr lang="ko-KR" altLang="en-US" dirty="0" smtClean="0"/>
-              <a:t>에 입력하여 </a:t>
-            </a:r>
-            <a:r>
-              <a:rPr lang="en-US" altLang="ko-KR" dirty="0" smtClean="0"/>
-              <a:t>coarse feature map</a:t>
-            </a:r>
-            <a:r>
-              <a:rPr lang="ko-KR" altLang="en-US" dirty="0" smtClean="0"/>
-              <a:t>을 도출하고 고화질을 </a:t>
-            </a:r>
-            <a:r>
-              <a:rPr lang="en-US" altLang="ko-KR" dirty="0" smtClean="0"/>
-              <a:t>light CNN</a:t>
-            </a:r>
-            <a:r>
-              <a:rPr lang="ko-KR" altLang="en-US" dirty="0" smtClean="0"/>
-              <a:t>에 입력하여 저화질 </a:t>
-            </a:r>
-            <a:r>
-              <a:rPr lang="en-US" altLang="ko-KR" dirty="0" smtClean="0"/>
-              <a:t>output</a:t>
-            </a:r>
-            <a:r>
-              <a:rPr lang="ko-KR" altLang="en-US" dirty="0" smtClean="0"/>
-              <a:t>을 세밀화시키는데 사용하는 것이 주된 차이점</a:t>
-            </a:r>
-            <a:endParaRPr lang="en-US" altLang="ko-KR" dirty="0" smtClean="0"/>
+            <a:endParaRPr lang="en-US" altLang="ko-KR" dirty="0"/>
           </a:p>
           <a:p>
             <a:pPr lvl="1">
@@ -8994,7 +8878,94 @@
             <a:pPr lvl="1">
               <a:buSzPct val="100000"/>
             </a:pPr>
-            <a:endParaRPr lang="ko-KR" altLang="en-US" dirty="0"/>
+            <a:endParaRPr lang="en-US" altLang="ko-KR" dirty="0"/>
+          </a:p>
+          <a:p>
+            <a:pPr lvl="1">
+              <a:buSzPct val="100000"/>
+            </a:pPr>
+            <a:endParaRPr lang="en-US" altLang="ko-KR" dirty="0" smtClean="0"/>
+          </a:p>
+          <a:p>
+            <a:pPr lvl="1">
+              <a:buSzPct val="100000"/>
+            </a:pPr>
+            <a:endParaRPr lang="en-US" altLang="ko-KR" dirty="0"/>
+          </a:p>
+          <a:p>
+            <a:pPr lvl="1">
+              <a:buSzPct val="100000"/>
+            </a:pPr>
+            <a:endParaRPr lang="en-US" altLang="ko-KR" dirty="0" smtClean="0"/>
+          </a:p>
+          <a:p>
+            <a:pPr lvl="2">
+              <a:buSzPct val="100000"/>
+            </a:pPr>
+            <a:r>
+              <a:rPr lang="en-US" altLang="ko-KR" dirty="0" err="1" smtClean="0"/>
+              <a:t>UNet</a:t>
+            </a:r>
+            <a:r>
+              <a:rPr lang="ko-KR" altLang="en-US" dirty="0" smtClean="0"/>
+              <a:t>이 </a:t>
+            </a:r>
+            <a:r>
+              <a:rPr lang="en-US" altLang="ko-KR" dirty="0" smtClean="0"/>
+              <a:t>Dilation</a:t>
+            </a:r>
+            <a:r>
+              <a:rPr lang="ko-KR" altLang="en-US" dirty="0" smtClean="0"/>
+              <a:t>보다 정확도가 더 높음</a:t>
+            </a:r>
+            <a:endParaRPr lang="en-US" altLang="ko-KR" dirty="0" smtClean="0"/>
+          </a:p>
+          <a:p>
+            <a:pPr lvl="2">
+              <a:buSzPct val="100000"/>
+            </a:pPr>
+            <a:r>
+              <a:rPr lang="en-US" altLang="ko-KR" dirty="0" err="1" smtClean="0"/>
+              <a:t>UNet</a:t>
+            </a:r>
+            <a:r>
+              <a:rPr lang="ko-KR" altLang="en-US" dirty="0" smtClean="0"/>
+              <a:t>과 </a:t>
+            </a:r>
+            <a:r>
+              <a:rPr lang="en-US" altLang="ko-KR" dirty="0" err="1" smtClean="0"/>
+              <a:t>SkipNet</a:t>
+            </a:r>
+            <a:r>
+              <a:rPr lang="ko-KR" altLang="en-US" dirty="0" smtClean="0"/>
+              <a:t>은 비슷한 정확도를 가짐</a:t>
+            </a:r>
+            <a:endParaRPr lang="en-US" altLang="ko-KR" dirty="0" smtClean="0"/>
+          </a:p>
+          <a:p>
+            <a:pPr lvl="2">
+              <a:buSzPct val="100000"/>
+            </a:pPr>
+            <a:endParaRPr lang="en-US" altLang="ko-KR" dirty="0" smtClean="0"/>
+          </a:p>
+          <a:p>
+            <a:pPr lvl="2">
+              <a:buSzPct val="100000"/>
+            </a:pPr>
+            <a:endParaRPr lang="en-US" altLang="ko-KR" dirty="0"/>
+          </a:p>
+          <a:p>
+            <a:pPr lvl="2">
+              <a:buSzPct val="100000"/>
+            </a:pPr>
+            <a:endParaRPr lang="en-US" altLang="ko-KR" dirty="0" smtClean="0"/>
+          </a:p>
+          <a:p>
+            <a:pPr marL="914400" lvl="2" indent="0">
+              <a:buSzPct val="100000"/>
+              <a:buNone/>
+            </a:pPr>
+            <a:endParaRPr lang="en-US" altLang="ko-KR" dirty="0"/>
           </a:p>
         </p:txBody>
       </p:sp>
@@ -9015,7 +8986,7 @@
           <a:p>
             <a:r>
               <a:rPr lang="en-US" altLang="ko-KR" dirty="0" smtClean="0"/>
-              <a:t>Contributions(V)</a:t>
+              <a:t>Contributions(VI)</a:t>
             </a:r>
             <a:endParaRPr lang="ko-KR" altLang="en-US" dirty="0"/>
           </a:p>
@@ -9023,7 +8994,7 @@
       </p:sp>
       <p:pic>
         <p:nvPicPr>
-          <p:cNvPr id="4098" name="Picture 2"/>
+          <p:cNvPr id="2050" name="Picture 2"/>
           <p:cNvPicPr>
             <a:picLocks noChangeAspect="1" noChangeArrowheads="1"/>
           </p:cNvPicPr>
@@ -9032,15 +9003,6 @@
         <p:blipFill>
           <a:blip r:embed="rId2">
             <a:extLst>
-              <a:ext uri="{BEBA8EAE-BF5A-486C-A8C5-ECC9F3942E4B}">
-                <a14:imgProps xmlns:a14="http://schemas.microsoft.com/office/drawing/2010/main">
-                  <a14:imgLayer r:embed="rId3">
-                    <a14:imgEffect>
-                      <a14:brightnessContrast contrast="-40000"/>
-                    </a14:imgEffect>
-                  </a14:imgLayer>
-                </a14:imgProps>
-              </a:ext>
               <a:ext uri="{28A0092B-C50C-407E-A947-70E740481C1C}">
                 <a14:useLocalDpi xmlns:a14="http://schemas.microsoft.com/office/drawing/2010/main" val="0"/>
               </a:ext>
@@ -9053,8 +9015,8 @@
         </p:blipFill>
         <p:spPr bwMode="auto">
           <a:xfrm>
-            <a:off x="0" y="1233488"/>
-            <a:ext cx="9144000" cy="3090457"/>
+            <a:off x="1" y="1196752"/>
+            <a:ext cx="9144000" cy="2274349"/>
           </a:xfrm>
           <a:prstGeom prst="rect">
             <a:avLst/>
@@ -9087,7 +9049,7 @@
     </p:spTree>
     <p:extLst>
       <p:ext uri="{BB962C8B-B14F-4D97-AF65-F5344CB8AC3E}">
-        <p14:creationId xmlns:p14="http://schemas.microsoft.com/office/powerpoint/2010/main" val="3625558119"/>
+        <p14:creationId xmlns:p14="http://schemas.microsoft.com/office/powerpoint/2010/main" val="1390962718"/>
       </p:ext>
     </p:extLst>
   </p:cSld>
@@ -9141,134 +9103,270 @@
           <a:bodyPr/>
           <a:lstStyle/>
           <a:p>
-            <a:pPr>
+            <a:pPr marL="984250" lvl="1">
               <a:buSzPct val="100000"/>
             </a:pPr>
-            <a:r>
-              <a:rPr lang="en-US" altLang="ko-KR" dirty="0" smtClean="0"/>
-              <a:t>Result</a:t>
-            </a:r>
+            <a:endParaRPr lang="en-US" altLang="ko-KR" dirty="0" smtClean="0"/>
+          </a:p>
+          <a:p>
+            <a:pPr marL="1543050" lvl="2">
+              <a:buSzPct val="100000"/>
+            </a:pPr>
+            <a:endParaRPr lang="en-US" altLang="ko-KR" dirty="0" smtClean="0"/>
+          </a:p>
+          <a:p>
+            <a:pPr marL="1543050" lvl="2">
+              <a:buSzPct val="100000"/>
+            </a:pPr>
             <a:endParaRPr lang="en-US" altLang="ko-KR" dirty="0"/>
           </a:p>
           <a:p>
-            <a:pPr>
+            <a:pPr marL="1543050" lvl="2">
               <a:buSzPct val="100000"/>
             </a:pPr>
             <a:endParaRPr lang="en-US" altLang="ko-KR" dirty="0" smtClean="0"/>
           </a:p>
           <a:p>
-            <a:pPr>
+            <a:pPr marL="1543050" lvl="2">
               <a:buSzPct val="100000"/>
             </a:pPr>
+            <a:r>
+              <a:rPr lang="en-US" altLang="ko-KR" dirty="0" smtClean="0"/>
+              <a:t>FLOPs : </a:t>
+            </a:r>
+            <a:r>
+              <a:rPr lang="ko-KR" altLang="en-US" dirty="0" smtClean="0"/>
+              <a:t>초당 부동소수점 </a:t>
+            </a:r>
+            <a:r>
+              <a:rPr lang="ko-KR" altLang="en-US" dirty="0" err="1" smtClean="0"/>
+              <a:t>연산량으로</a:t>
+            </a:r>
+            <a:r>
+              <a:rPr lang="ko-KR" altLang="en-US" dirty="0" smtClean="0"/>
+              <a:t> </a:t>
+            </a:r>
+            <a:r>
+              <a:rPr lang="en-US" altLang="ko-KR" dirty="0" smtClean="0"/>
+              <a:t>,1 GFLOPs</a:t>
+            </a:r>
+            <a:r>
+              <a:rPr lang="ko-KR" altLang="en-US" dirty="0" smtClean="0"/>
+              <a:t>는 초당 </a:t>
+            </a:r>
+            <a:r>
+              <a:rPr lang="en-US" altLang="ko-KR" dirty="0" smtClean="0"/>
+              <a:t>10</a:t>
+            </a:r>
+            <a:r>
+              <a:rPr lang="ko-KR" altLang="en-US" dirty="0" err="1"/>
+              <a:t>억</a:t>
+            </a:r>
+            <a:r>
+              <a:rPr lang="ko-KR" altLang="en-US" dirty="0" err="1" smtClean="0"/>
+              <a:t>개의</a:t>
+            </a:r>
+            <a:r>
+              <a:rPr lang="ko-KR" altLang="en-US" dirty="0" smtClean="0"/>
+              <a:t> 부동소수점을 처리</a:t>
+            </a:r>
+            <a:endParaRPr lang="en-US" altLang="ko-KR" dirty="0" smtClean="0"/>
+          </a:p>
+          <a:p>
+            <a:pPr marL="1543050" lvl="2">
+              <a:buSzPct val="100000"/>
+            </a:pPr>
+            <a:r>
+              <a:rPr lang="en-US" altLang="ko-KR" dirty="0" smtClean="0"/>
+              <a:t>*</a:t>
+            </a:r>
+            <a:r>
+              <a:rPr lang="en-US" altLang="ko-KR" dirty="0" err="1" smtClean="0"/>
+              <a:t>iIoU</a:t>
+            </a:r>
+            <a:r>
+              <a:rPr lang="en-US" altLang="ko-KR" dirty="0" smtClean="0"/>
+              <a:t> : </a:t>
+            </a:r>
+            <a:r>
+              <a:rPr lang="ko-KR" altLang="en-US" dirty="0" smtClean="0"/>
+              <a:t>기존 </a:t>
+            </a:r>
+            <a:r>
+              <a:rPr lang="en-US" altLang="ko-KR" dirty="0" err="1" smtClean="0"/>
+              <a:t>IoU</a:t>
+            </a:r>
+            <a:r>
+              <a:rPr lang="en-US" altLang="ko-KR" dirty="0" smtClean="0"/>
+              <a:t> </a:t>
+            </a:r>
+            <a:r>
+              <a:rPr lang="ko-KR" altLang="en-US" dirty="0" smtClean="0"/>
+              <a:t>는 </a:t>
+            </a:r>
+            <a:r>
+              <a:rPr lang="en-US" altLang="ko-KR" dirty="0" err="1" smtClean="0"/>
+              <a:t>iTP</a:t>
+            </a:r>
+            <a:r>
+              <a:rPr lang="en-US" altLang="ko-KR" dirty="0" smtClean="0"/>
+              <a:t> / (</a:t>
+            </a:r>
+            <a:r>
+              <a:rPr lang="en-US" altLang="ko-KR" dirty="0" err="1" smtClean="0"/>
+              <a:t>iTP+iFP+iFN</a:t>
+            </a:r>
+            <a:r>
+              <a:rPr lang="en-US" altLang="ko-KR" dirty="0" smtClean="0"/>
+              <a:t>)</a:t>
+            </a:r>
+            <a:r>
+              <a:rPr lang="ko-KR" altLang="en-US" dirty="0" smtClean="0"/>
+              <a:t>이고 </a:t>
+            </a:r>
+            <a:r>
+              <a:rPr lang="en-US" altLang="ko-KR" dirty="0" err="1" smtClean="0"/>
+              <a:t>iIoU</a:t>
+            </a:r>
+            <a:r>
+              <a:rPr lang="ko-KR" altLang="en-US" dirty="0" smtClean="0"/>
+              <a:t>는 </a:t>
+            </a:r>
+            <a:r>
+              <a:rPr lang="en-US" altLang="ko-KR" dirty="0" err="1" smtClean="0"/>
+              <a:t>iTP</a:t>
+            </a:r>
+            <a:r>
+              <a:rPr lang="ko-KR" altLang="en-US" dirty="0" smtClean="0"/>
+              <a:t>와 </a:t>
+            </a:r>
+            <a:r>
+              <a:rPr lang="en-US" altLang="ko-KR" dirty="0" err="1" smtClean="0"/>
+              <a:t>iFN</a:t>
+            </a:r>
+            <a:r>
+              <a:rPr lang="ko-KR" altLang="en-US" dirty="0" smtClean="0"/>
+              <a:t>을 계산할 때 각 픽셀에 가중치를 가중치를 둔 것</a:t>
+            </a:r>
+            <a:endParaRPr lang="en-US" altLang="ko-KR" dirty="0" smtClean="0"/>
+          </a:p>
+          <a:p>
+            <a:pPr marL="1543050" lvl="2">
+              <a:buSzPct val="100000"/>
+            </a:pPr>
+            <a:r>
+              <a:rPr lang="en-US" altLang="ko-KR" dirty="0" err="1" smtClean="0"/>
+              <a:t>iTP</a:t>
+            </a:r>
+            <a:r>
+              <a:rPr lang="en-US" altLang="ko-KR" dirty="0" smtClean="0"/>
+              <a:t> , </a:t>
+            </a:r>
+            <a:r>
+              <a:rPr lang="en-US" altLang="ko-KR" dirty="0" err="1" smtClean="0"/>
+              <a:t>iFP</a:t>
+            </a:r>
+            <a:r>
+              <a:rPr lang="en-US" altLang="ko-KR" dirty="0" smtClean="0"/>
+              <a:t>, </a:t>
+            </a:r>
+            <a:r>
+              <a:rPr lang="en-US" altLang="ko-KR" dirty="0" err="1" smtClean="0"/>
+              <a:t>iFN</a:t>
+            </a:r>
+            <a:r>
+              <a:rPr lang="en-US" altLang="ko-KR" dirty="0" smtClean="0"/>
+              <a:t> : </a:t>
+            </a:r>
+            <a:r>
+              <a:rPr lang="ko-KR" altLang="en-US" dirty="0" smtClean="0"/>
+              <a:t>각각 </a:t>
+            </a:r>
+            <a:r>
+              <a:rPr lang="en-US" altLang="ko-KR" dirty="0" smtClean="0"/>
+              <a:t>true positive, false positive, false negative</a:t>
+            </a:r>
+            <a:r>
+              <a:rPr lang="ko-KR" altLang="en-US" dirty="0" smtClean="0"/>
+              <a:t>으로 실제 양성을 양성이라고 판단</a:t>
+            </a:r>
+            <a:r>
+              <a:rPr lang="en-US" altLang="ko-KR" dirty="0" smtClean="0"/>
+              <a:t>, </a:t>
+            </a:r>
+            <a:r>
+              <a:rPr lang="ko-KR" altLang="en-US" dirty="0" smtClean="0"/>
+              <a:t>실제 양성을 음성이라고 판단</a:t>
+            </a:r>
+            <a:r>
+              <a:rPr lang="en-US" altLang="ko-KR" dirty="0" smtClean="0"/>
+              <a:t>, </a:t>
+            </a:r>
+            <a:r>
+              <a:rPr lang="ko-KR" altLang="en-US" dirty="0" smtClean="0"/>
+              <a:t>실제 음성을 양성이라고 판단한 </a:t>
+            </a:r>
+            <a:r>
+              <a:rPr lang="en-US" altLang="ko-KR" dirty="0" smtClean="0"/>
+              <a:t>pixel</a:t>
+            </a:r>
+            <a:r>
+              <a:rPr lang="ko-KR" altLang="en-US" dirty="0" smtClean="0"/>
+              <a:t>의 수</a:t>
+            </a:r>
+            <a:endParaRPr lang="en-US" altLang="ko-KR" dirty="0" smtClean="0"/>
+          </a:p>
+          <a:p>
+            <a:pPr marL="1543050" lvl="2">
+              <a:buSzPct val="100000"/>
+            </a:pPr>
+            <a:r>
+              <a:rPr lang="en-US" altLang="ko-KR" dirty="0" err="1" smtClean="0"/>
+              <a:t>SkipNet-MobileNet</a:t>
+            </a:r>
+            <a:r>
+              <a:rPr lang="ko-KR" altLang="en-US" dirty="0" smtClean="0"/>
+              <a:t>이 속도와 정확도에서 모두 </a:t>
+            </a:r>
+            <a:r>
+              <a:rPr lang="en-US" altLang="ko-KR" dirty="0" err="1" smtClean="0"/>
+              <a:t>ENet</a:t>
+            </a:r>
+            <a:r>
+              <a:rPr lang="ko-KR" altLang="en-US" dirty="0" smtClean="0"/>
+              <a:t>을 능가함</a:t>
+            </a:r>
+            <a:endParaRPr lang="en-US" altLang="ko-KR" dirty="0" smtClean="0"/>
+          </a:p>
+          <a:p>
+            <a:pPr marL="1543050" lvl="2">
+              <a:buSzPct val="100000"/>
+            </a:pPr>
             <a:endParaRPr lang="en-US" altLang="ko-KR" dirty="0"/>
           </a:p>
           <a:p>
-            <a:pPr>
+            <a:pPr marL="1543050" lvl="2">
               <a:buSzPct val="100000"/>
             </a:pPr>
+            <a:endParaRPr lang="en-US" altLang="ko-KR" dirty="0"/>
+          </a:p>
+          <a:p>
+            <a:pPr marL="984250" lvl="1">
+              <a:buSzPct val="100000"/>
+            </a:pPr>
             <a:endParaRPr lang="en-US" altLang="ko-KR" dirty="0" smtClean="0"/>
           </a:p>
           <a:p>
-            <a:pPr lvl="1">
+            <a:pPr marL="984250" lvl="1">
               <a:buSzPct val="100000"/>
             </a:pPr>
             <a:endParaRPr lang="en-US" altLang="ko-KR" dirty="0"/>
           </a:p>
           <a:p>
-            <a:pPr lvl="1">
+            <a:pPr marL="984250" lvl="1">
               <a:buSzPct val="100000"/>
             </a:pPr>
-            <a:r>
-              <a:rPr lang="en-US" altLang="ko-KR" dirty="0" smtClean="0"/>
-              <a:t>Baseline : ½ down-sampled input</a:t>
-            </a:r>
-            <a:r>
-              <a:rPr lang="ko-KR" altLang="en-US" dirty="0" smtClean="0"/>
-              <a:t>을 </a:t>
-            </a:r>
-            <a:r>
-              <a:rPr lang="en-US" altLang="ko-KR" dirty="0" smtClean="0"/>
-              <a:t>PSPNet50</a:t>
-            </a:r>
-            <a:r>
-              <a:rPr lang="ko-KR" altLang="en-US" dirty="0" smtClean="0"/>
-              <a:t>에 인가했을 때 결과</a:t>
-            </a:r>
             <a:endParaRPr lang="en-US" altLang="ko-KR" dirty="0" smtClean="0"/>
-          </a:p>
-          <a:p>
-            <a:pPr lvl="1">
-              <a:buSzPct val="100000"/>
-            </a:pPr>
-            <a:r>
-              <a:rPr lang="en-US" altLang="ko-KR" dirty="0" smtClean="0"/>
-              <a:t>Sub4, sub24, sub124 : </a:t>
-            </a:r>
-            <a:r>
-              <a:rPr lang="ko-KR" altLang="en-US" dirty="0" smtClean="0"/>
-              <a:t>각각 </a:t>
-            </a:r>
-            <a:r>
-              <a:rPr lang="en-US" altLang="ko-KR" dirty="0" smtClean="0"/>
-              <a:t>¼ down-sampled, ¼ down-sampled +  ½ down-sampled, ¼ down-sampled + ½ down-sampled + </a:t>
-            </a:r>
-            <a:r>
-              <a:rPr lang="ko-KR" altLang="en-US" dirty="0" smtClean="0"/>
-              <a:t>원본 이미지를 사용한 </a:t>
-            </a:r>
-            <a:r>
-              <a:rPr lang="en-US" altLang="ko-KR" dirty="0" smtClean="0"/>
-              <a:t>ICNet</a:t>
-            </a:r>
-            <a:r>
-              <a:rPr lang="ko-KR" altLang="en-US" dirty="0" smtClean="0"/>
-              <a:t>의 결과</a:t>
-            </a:r>
-            <a:endParaRPr lang="en-US" altLang="ko-KR" dirty="0" smtClean="0"/>
-          </a:p>
-          <a:p>
-            <a:pPr lvl="1">
-              <a:buSzPct val="100000"/>
-            </a:pPr>
-            <a:r>
-              <a:rPr lang="en-US" altLang="ko-KR" dirty="0" smtClean="0"/>
-              <a:t>Sub124</a:t>
-            </a:r>
-            <a:r>
-              <a:rPr lang="ko-KR" altLang="en-US" dirty="0" smtClean="0"/>
-              <a:t>가 비교대상인 </a:t>
-            </a:r>
-            <a:r>
-              <a:rPr lang="en-US" altLang="ko-KR" dirty="0" smtClean="0"/>
-              <a:t>PSPNet50</a:t>
-            </a:r>
-            <a:r>
-              <a:rPr lang="ko-KR" altLang="en-US" dirty="0" smtClean="0"/>
-              <a:t>과 비슷한 </a:t>
-            </a:r>
-            <a:r>
-              <a:rPr lang="en-US" altLang="ko-KR" dirty="0" err="1" smtClean="0"/>
-              <a:t>mIoU</a:t>
-            </a:r>
-            <a:r>
-              <a:rPr lang="ko-KR" altLang="en-US" dirty="0" smtClean="0"/>
-              <a:t>에</a:t>
-            </a:r>
-            <a:r>
-              <a:rPr lang="en-US" altLang="ko-KR" dirty="0" smtClean="0"/>
-              <a:t>, </a:t>
-            </a:r>
-            <a:r>
-              <a:rPr lang="ko-KR" altLang="en-US" smtClean="0"/>
-              <a:t>월등한 처리 속도를 가짐</a:t>
-            </a:r>
-            <a:endParaRPr lang="en-US" altLang="ko-KR" dirty="0" smtClean="0"/>
-          </a:p>
-          <a:p>
-            <a:pPr lvl="1">
-              <a:buSzPct val="100000"/>
-            </a:pPr>
-            <a:endParaRPr lang="ko-KR" altLang="en-US" dirty="0"/>
           </a:p>
         </p:txBody>
       </p:sp>
@@ -9289,7 +9387,7 @@
           <a:p>
             <a:r>
               <a:rPr lang="en-US" altLang="ko-KR" dirty="0" smtClean="0"/>
-              <a:t>Contributions(V</a:t>
+              <a:t>Contributions(VI</a:t>
             </a:r>
             <a:r>
               <a:rPr lang="en-US" altLang="ko-KR" dirty="0"/>
@@ -9305,7 +9403,7 @@
       </p:sp>
       <p:pic>
         <p:nvPicPr>
-          <p:cNvPr id="5122" name="Picture 2"/>
+          <p:cNvPr id="3074" name="Picture 2"/>
           <p:cNvPicPr>
             <a:picLocks noChangeAspect="1" noChangeArrowheads="1"/>
           </p:cNvPicPr>
@@ -9326,8 +9424,8 @@
         </p:blipFill>
         <p:spPr bwMode="auto">
           <a:xfrm>
-            <a:off x="467544" y="1196752"/>
-            <a:ext cx="5124450" cy="1990725"/>
+            <a:off x="1031701" y="620688"/>
+            <a:ext cx="6924675" cy="1590675"/>
           </a:xfrm>
           <a:prstGeom prst="rect">
             <a:avLst/>
@@ -9357,10 +9455,62 @@
           </a:extLst>
         </p:spPr>
       </p:pic>
+      <p:sp>
+        <p:nvSpPr>
+          <p:cNvPr id="4" name="TextBox 3"/>
+          <p:cNvSpPr txBox="1"/>
+          <p:nvPr/>
+        </p:nvSpPr>
+        <p:spPr>
+          <a:xfrm>
+            <a:off x="179512" y="6237312"/>
+            <a:ext cx="6264696" cy="261610"/>
+          </a:xfrm>
+          <a:prstGeom prst="rect">
+            <a:avLst/>
+          </a:prstGeom>
+          <a:noFill/>
+        </p:spPr>
+        <p:txBody>
+          <a:bodyPr wrap="square" rtlCol="0">
+            <a:spAutoFit/>
+          </a:bodyPr>
+          <a:lstStyle/>
+          <a:p>
+            <a:r>
+              <a:rPr lang="en-US" altLang="ko-KR" sz="1050" dirty="0" smtClean="0">
+                <a:latin typeface="+mn-ea"/>
+              </a:rPr>
+              <a:t>*</a:t>
+            </a:r>
+            <a:r>
+              <a:rPr lang="ko-KR" altLang="en-US" sz="1050" dirty="0" smtClean="0">
+                <a:latin typeface="+mn-ea"/>
+              </a:rPr>
+              <a:t>출처 </a:t>
+            </a:r>
+            <a:r>
+              <a:rPr lang="en-US" altLang="ko-KR" sz="1050" dirty="0" smtClean="0">
+                <a:latin typeface="+mn-ea"/>
+              </a:rPr>
+              <a:t>: </a:t>
+            </a:r>
+            <a:r>
+              <a:rPr lang="en-US" altLang="ko-KR" sz="1050" dirty="0">
+                <a:hlinkClick r:id="rId3"/>
+              </a:rPr>
+              <a:t>https://forums.fast.ai/t/what-is-iiou-in-semantic-segmentation/5136/2</a:t>
+            </a:r>
+            <a:endParaRPr lang="ko-KR" altLang="en-US" sz="1050" dirty="0" smtClean="0">
+              <a:latin typeface="+mn-ea"/>
+            </a:endParaRPr>
+          </a:p>
+        </p:txBody>
+      </p:sp>
     </p:spTree>
     <p:extLst>
       <p:ext uri="{BB962C8B-B14F-4D97-AF65-F5344CB8AC3E}">
-        <p14:creationId xmlns:p14="http://schemas.microsoft.com/office/powerpoint/2010/main" val="4257289310"/>
+        <p14:creationId xmlns:p14="http://schemas.microsoft.com/office/powerpoint/2010/main" val="1837294565"/>
       </p:ext>
     </p:extLst>
   </p:cSld>
@@ -9555,19 +9705,11 @@
             </a:r>
             <a:r>
               <a:rPr lang="ko-KR" altLang="en-US" dirty="0" smtClean="0"/>
-              <a:t>로 분리된</a:t>
-            </a:r>
-            <a:r>
-              <a:rPr lang="ko-KR" altLang="en-US" dirty="0" smtClean="0"/>
-              <a:t> </a:t>
-            </a:r>
-            <a:r>
-              <a:rPr lang="en-US" altLang="ko-KR" dirty="0" smtClean="0"/>
-              <a:t>real-time semantic segmentation </a:t>
-            </a:r>
-            <a:r>
-              <a:rPr lang="en-US" altLang="ko-KR" dirty="0" smtClean="0"/>
-              <a:t>framework</a:t>
+              <a:t>로 분리된 </a:t>
+            </a:r>
+            <a:r>
+              <a:rPr lang="en-US" altLang="ko-KR" dirty="0" smtClean="0"/>
+              <a:t>real-time semantic segmentation framework</a:t>
             </a:r>
             <a:r>
               <a:rPr lang="ko-KR" altLang="en-US" dirty="0" smtClean="0"/>
@@ -9752,11 +9894,7 @@
             </a:r>
             <a:r>
               <a:rPr lang="en-US" altLang="ko-KR" dirty="0" smtClean="0"/>
-              <a:t>feature extractio</a:t>
-            </a:r>
-            <a:r>
-              <a:rPr lang="en-US" altLang="ko-KR" dirty="0" smtClean="0"/>
-              <a:t>n module</a:t>
+              <a:t>feature extraction module</a:t>
             </a:r>
             <a:r>
               <a:rPr lang="ko-KR" altLang="en-US" dirty="0" smtClean="0"/>
@@ -9764,16 +9902,21 @@
             </a:r>
             <a:r>
               <a:rPr lang="en-US" altLang="ko-KR" dirty="0" smtClean="0"/>
-              <a:t>decoding method</a:t>
+              <a:t>decoding </a:t>
+            </a:r>
+            <a:r>
+              <a:rPr lang="en-US" altLang="ko-KR" dirty="0"/>
+              <a:t>method(Meta-architecture</a:t>
+            </a:r>
+            <a:r>
+              <a:rPr lang="en-US" altLang="ko-KR" dirty="0" smtClean="0"/>
+              <a:t>)</a:t>
             </a:r>
             <a:r>
               <a:rPr lang="ko-KR" altLang="en-US" dirty="0" smtClean="0"/>
               <a:t>로 분리된 형태로 제공</a:t>
             </a:r>
-            <a:r>
-              <a:rPr lang="en-US" altLang="ko-KR" dirty="0" smtClean="0"/>
-              <a:t>(Meta-architecture)</a:t>
-            </a:r>
+            <a:endParaRPr lang="en-US" altLang="ko-KR" dirty="0" smtClean="0"/>
           </a:p>
           <a:p>
             <a:pPr lvl="1">
@@ -9781,11 +9924,7 @@
             </a:pPr>
             <a:r>
               <a:rPr lang="ko-KR" altLang="en-US" dirty="0" smtClean="0"/>
-              <a:t>정확도와 계산 </a:t>
-            </a:r>
-            <a:r>
-              <a:rPr lang="ko-KR" altLang="en-US" dirty="0" smtClean="0"/>
-              <a:t>속도 사이의 </a:t>
+              <a:t>정확도와 계산 속도 사이의 </a:t>
             </a:r>
             <a:r>
               <a:rPr lang="en-US" altLang="ko-KR" dirty="0" smtClean="0"/>
@@ -9833,7 +9972,7 @@
               <a:rPr lang="ko-KR" altLang="en-US" dirty="0" smtClean="0"/>
               <a:t>설명</a:t>
             </a:r>
-            <a:endParaRPr lang="en-US" altLang="ko-KR" smtClean="0"/>
+            <a:endParaRPr lang="en-US" altLang="ko-KR" dirty="0" smtClean="0"/>
           </a:p>
           <a:p>
             <a:pPr lvl="1">
@@ -9923,15 +10062,6 @@
           <a:bodyPr/>
           <a:lstStyle/>
           <a:p>
-            <a:pPr>
-              <a:buSzPct val="100000"/>
-            </a:pPr>
-            <a:r>
-              <a:rPr lang="en-US" altLang="ko-KR" dirty="0"/>
-              <a:t>High Quality Semantic Segmentation FCN</a:t>
-            </a:r>
-          </a:p>
-          <a:p>
             <a:pPr lvl="1">
               <a:buSzPct val="100000"/>
             </a:pPr>
@@ -9949,9 +10079,12 @@
             </a:r>
             <a:r>
               <a:rPr lang="en-US" altLang="ko-KR" dirty="0"/>
-              <a:t>. In: CVPR. (2015)</a:t>
-            </a:r>
-            <a:endParaRPr lang="en-US" altLang="ko-KR" dirty="0" smtClean="0"/>
+              <a:t>. In: CVPR. </a:t>
+            </a:r>
+            <a:r>
+              <a:rPr lang="en-US" altLang="ko-KR" dirty="0" smtClean="0"/>
+              <a:t>2015.</a:t>
+            </a:r>
           </a:p>
           <a:p>
             <a:pPr lvl="2">
@@ -9976,16 +10109,92 @@
               <a:buSzPct val="100000"/>
             </a:pPr>
             <a:r>
-              <a:rPr lang="en-US" altLang="ko-KR" dirty="0" smtClean="0"/>
-              <a:t>DeepLab </a:t>
-            </a:r>
-            <a:r>
               <a:rPr lang="en-US" altLang="ko-KR" dirty="0"/>
-              <a:t>Yu, F., Koltun, V.: Multi-scale context aggregation by dilated convolutions. </a:t>
-            </a:r>
-            <a:r>
-              <a:rPr lang="en-US" altLang="ko-KR" dirty="0" smtClean="0"/>
-              <a:t>ICLR (2016)</a:t>
+              <a:t>Liang-</a:t>
+            </a:r>
+            <a:r>
+              <a:rPr lang="en-US" altLang="ko-KR" dirty="0" err="1"/>
+              <a:t>Chieh</a:t>
+            </a:r>
+            <a:r>
+              <a:rPr lang="en-US" altLang="ko-KR" dirty="0"/>
+              <a:t> Chen, George Papandreou, </a:t>
+            </a:r>
+            <a:r>
+              <a:rPr lang="en-US" altLang="ko-KR" dirty="0" err="1"/>
+              <a:t>Iasonas</a:t>
+            </a:r>
+            <a:r>
+              <a:rPr lang="en-US" altLang="ko-KR" dirty="0"/>
+              <a:t> </a:t>
+            </a:r>
+            <a:r>
+              <a:rPr lang="en-US" altLang="ko-KR" dirty="0" smtClean="0"/>
+              <a:t>Kokkinos, Kevin </a:t>
+            </a:r>
+            <a:r>
+              <a:rPr lang="en-US" altLang="ko-KR" dirty="0"/>
+              <a:t>Murphy, and Alan L </a:t>
+            </a:r>
+            <a:r>
+              <a:rPr lang="en-US" altLang="ko-KR" dirty="0" err="1"/>
+              <a:t>Yuille</a:t>
+            </a:r>
+            <a:r>
+              <a:rPr lang="en-US" altLang="ko-KR" dirty="0"/>
+              <a:t>, “</a:t>
+            </a:r>
+            <a:r>
+              <a:rPr lang="en-US" altLang="ko-KR" dirty="0" err="1" smtClean="0"/>
+              <a:t>Deeplab</a:t>
+            </a:r>
+            <a:r>
+              <a:rPr lang="en-US" altLang="ko-KR" dirty="0" smtClean="0"/>
+              <a:t>: Semantic </a:t>
+            </a:r>
+            <a:r>
+              <a:rPr lang="en-US" altLang="ko-KR" dirty="0"/>
+              <a:t>image segmentation with deep </a:t>
+            </a:r>
+            <a:r>
+              <a:rPr lang="en-US" altLang="ko-KR" dirty="0" smtClean="0"/>
+              <a:t>convolutional nets</a:t>
+            </a:r>
+            <a:r>
+              <a:rPr lang="en-US" altLang="ko-KR" dirty="0"/>
+              <a:t>, </a:t>
+            </a:r>
+            <a:r>
+              <a:rPr lang="en-US" altLang="ko-KR" dirty="0" err="1"/>
+              <a:t>atrous</a:t>
+            </a:r>
+            <a:r>
+              <a:rPr lang="en-US" altLang="ko-KR" dirty="0"/>
+              <a:t> convolution, and fully connected </a:t>
+            </a:r>
+            <a:r>
+              <a:rPr lang="en-US" altLang="ko-KR" dirty="0" err="1"/>
+              <a:t>crfs</a:t>
+            </a:r>
+            <a:r>
+              <a:rPr lang="en-US" altLang="ko-KR" dirty="0" smtClean="0"/>
+              <a:t>,” </a:t>
+            </a:r>
+            <a:r>
+              <a:rPr lang="en-US" altLang="ko-KR" dirty="0" err="1" smtClean="0"/>
+              <a:t>arXiv</a:t>
+            </a:r>
+            <a:r>
+              <a:rPr lang="en-US" altLang="ko-KR" dirty="0" smtClean="0"/>
+              <a:t> </a:t>
+            </a:r>
+            <a:r>
+              <a:rPr lang="en-US" altLang="ko-KR" dirty="0"/>
+              <a:t>preprint arXiv:1606.00915, 2016</a:t>
+            </a:r>
+            <a:r>
+              <a:rPr lang="en-US" altLang="ko-KR" dirty="0" smtClean="0"/>
+              <a:t>.</a:t>
             </a:r>
           </a:p>
           <a:p>
@@ -9993,58 +10202,82 @@
               <a:buSzPct val="100000"/>
             </a:pPr>
             <a:r>
-              <a:rPr lang="en-US" altLang="ko-KR" dirty="0" smtClean="0"/>
-              <a:t>Conv </a:t>
-            </a:r>
-            <a:r>
-              <a:rPr lang="en-US" altLang="ko-KR" dirty="0"/>
-              <a:t>filter</a:t>
-            </a:r>
-            <a:r>
-              <a:rPr lang="ko-KR" altLang="en-US" dirty="0" smtClean="0"/>
-              <a:t>의 각 픽셀에 간격을 두어 </a:t>
-            </a:r>
-            <a:r>
-              <a:rPr lang="en-US" altLang="ko-KR" dirty="0" smtClean="0"/>
-              <a:t>receptive filter</a:t>
-            </a:r>
-            <a:r>
-              <a:rPr lang="ko-KR" altLang="en-US" dirty="0" smtClean="0"/>
-              <a:t>를 확장시킨 </a:t>
-            </a:r>
-            <a:r>
-              <a:rPr lang="en-US" altLang="ko-KR" dirty="0" smtClean="0"/>
-              <a:t>dilated convolution</a:t>
-            </a:r>
-            <a:r>
-              <a:rPr lang="ko-KR" altLang="en-US" dirty="0" smtClean="0"/>
-              <a:t>을 사용</a:t>
-            </a:r>
-            <a:endParaRPr lang="en-US" altLang="ko-KR" dirty="0" smtClean="0"/>
+              <a:rPr lang="ko-KR" altLang="en-US" dirty="0" smtClean="0"/>
+              <a:t>정확도 개선을 위해 </a:t>
+            </a:r>
+            <a:r>
+              <a:rPr lang="en-US" altLang="ko-KR" dirty="0" smtClean="0"/>
+              <a:t>multi-scale approach </a:t>
+            </a:r>
+            <a:r>
+              <a:rPr lang="ko-KR" altLang="en-US" dirty="0" smtClean="0"/>
+              <a:t>사</a:t>
+            </a:r>
+            <a:r>
+              <a:rPr lang="ko-KR" altLang="en-US" dirty="0"/>
+              <a:t>용</a:t>
+            </a:r>
+            <a:endParaRPr lang="en-US" altLang="ko-KR" dirty="0"/>
           </a:p>
           <a:p>
             <a:pPr lvl="1">
               <a:buSzPct val="100000"/>
             </a:pPr>
             <a:r>
-              <a:rPr lang="en-US" altLang="ko-KR" dirty="0" smtClean="0"/>
-              <a:t>Noh</a:t>
+              <a:rPr lang="en-US" altLang="ko-KR" dirty="0" err="1"/>
+              <a:t>Guosheng</a:t>
             </a:r>
             <a:r>
               <a:rPr lang="en-US" altLang="ko-KR" dirty="0"/>
-              <a:t>, H., Hong, S., Han, B.: Learning deconvolution network for semantic </a:t>
-            </a:r>
-            <a:r>
-              <a:rPr lang="en-US" altLang="ko-KR" dirty="0" smtClean="0"/>
-              <a:t>segmentation. </a:t>
+              <a:t> Lin, </a:t>
+            </a:r>
+            <a:r>
+              <a:rPr lang="en-US" altLang="ko-KR" dirty="0" err="1"/>
+              <a:t>Chunhua</a:t>
             </a:r>
             <a:r>
               <a:rPr lang="en-US" altLang="ko-KR" dirty="0"/>
-              <a:t>In: ICCV. (2015</a:t>
-            </a:r>
-            <a:r>
-              <a:rPr lang="en-US" altLang="ko-KR" dirty="0" smtClean="0"/>
-              <a:t>)</a:t>
+              <a:t> Shen, Anton van den </a:t>
+            </a:r>
+            <a:r>
+              <a:rPr lang="en-US" altLang="ko-KR" dirty="0" err="1" smtClean="0"/>
+              <a:t>Hengel</a:t>
+            </a:r>
+            <a:r>
+              <a:rPr lang="en-US" altLang="ko-KR" dirty="0" smtClean="0"/>
+              <a:t>, and </a:t>
+            </a:r>
+            <a:r>
+              <a:rPr lang="en-US" altLang="ko-KR" dirty="0"/>
+              <a:t>Ian Reid, “Exploring context with deep </a:t>
+            </a:r>
+            <a:r>
+              <a:rPr lang="en-US" altLang="ko-KR" dirty="0" smtClean="0"/>
+              <a:t>structured models </a:t>
+            </a:r>
+            <a:r>
+              <a:rPr lang="en-US" altLang="ko-KR" dirty="0"/>
+              <a:t>for semantic segmentation,” </a:t>
+            </a:r>
+            <a:r>
+              <a:rPr lang="en-US" altLang="ko-KR" dirty="0" err="1"/>
+              <a:t>arXiv</a:t>
+            </a:r>
+            <a:r>
+              <a:rPr lang="en-US" altLang="ko-KR" dirty="0"/>
+              <a:t> </a:t>
+            </a:r>
+            <a:r>
+              <a:rPr lang="en-US" altLang="ko-KR" dirty="0" smtClean="0"/>
+              <a:t>preprint arXiv:1603.03183</a:t>
+            </a:r>
+            <a:r>
+              <a:rPr lang="en-US" altLang="ko-KR" dirty="0"/>
+              <a:t>, </a:t>
+            </a:r>
+            <a:r>
+              <a:rPr lang="en-US" altLang="ko-KR" dirty="0" smtClean="0"/>
+              <a:t>2016.</a:t>
             </a:r>
           </a:p>
           <a:p>
@@ -10052,126 +10285,30 @@
               <a:buSzPct val="100000"/>
             </a:pPr>
             <a:r>
-              <a:rPr lang="ko-KR" altLang="en-US" dirty="0" smtClean="0"/>
-              <a:t>심층부의 </a:t>
-            </a:r>
-            <a:r>
-              <a:rPr lang="en-US" altLang="ko-KR" dirty="0" smtClean="0"/>
-              <a:t>feature map</a:t>
-            </a:r>
-            <a:r>
-              <a:rPr lang="ko-KR" altLang="en-US" dirty="0" smtClean="0"/>
-              <a:t>과 하층부의 </a:t>
-            </a:r>
-            <a:r>
-              <a:rPr lang="en-US" altLang="ko-KR" dirty="0" smtClean="0"/>
-              <a:t>feature map</a:t>
-            </a:r>
-            <a:r>
-              <a:rPr lang="ko-KR" altLang="en-US" dirty="0" smtClean="0"/>
-              <a:t>을 병합</a:t>
+              <a:rPr lang="en-US" altLang="ko-KR" dirty="0" smtClean="0"/>
+              <a:t>CNN</a:t>
+            </a:r>
+            <a:r>
+              <a:rPr lang="ko-KR" altLang="en-US" dirty="0" smtClean="0"/>
+              <a:t>에 </a:t>
+            </a:r>
+            <a:r>
+              <a:rPr lang="en-US" altLang="ko-KR" dirty="0" smtClean="0"/>
+              <a:t>Conditional Random Field(CRF)</a:t>
+            </a:r>
+            <a:r>
+              <a:rPr lang="ko-KR" altLang="en-US" dirty="0" smtClean="0"/>
+              <a:t>를 병합한 </a:t>
+            </a:r>
+            <a:r>
+              <a:rPr lang="en-US" altLang="ko-KR" dirty="0" smtClean="0"/>
+              <a:t>structured model</a:t>
+            </a:r>
+            <a:r>
+              <a:rPr lang="ko-KR" altLang="en-US" dirty="0" smtClean="0"/>
+              <a:t>을 사용하여 정확도 향상</a:t>
             </a:r>
             <a:endParaRPr lang="en-US" altLang="ko-KR" dirty="0" smtClean="0"/>
-          </a:p>
-          <a:p>
-            <a:pPr lvl="1">
-              <a:buSzPct val="100000"/>
-            </a:pPr>
-            <a:r>
-              <a:rPr lang="en-US" altLang="ko-KR" dirty="0"/>
-              <a:t>Zhao, H., Shi, J., Qi, X., Wang, X., Jia, J.: Pyramid scene parsing network. </a:t>
-            </a:r>
-            <a:r>
-              <a:rPr lang="en-US" altLang="ko-KR" dirty="0" smtClean="0"/>
-              <a:t>In: CVPR</a:t>
-            </a:r>
-            <a:r>
-              <a:rPr lang="en-US" altLang="ko-KR" dirty="0"/>
-              <a:t>. (2017</a:t>
-            </a:r>
-            <a:r>
-              <a:rPr lang="en-US" altLang="ko-KR" dirty="0" smtClean="0"/>
-              <a:t>)</a:t>
-            </a:r>
-          </a:p>
-          <a:p>
-            <a:pPr lvl="2">
-              <a:buSzPct val="100000"/>
-            </a:pPr>
-            <a:r>
-              <a:rPr lang="en-US" altLang="ko-KR" dirty="0" smtClean="0"/>
-              <a:t>ICNet</a:t>
-            </a:r>
-            <a:r>
-              <a:rPr lang="ko-KR" altLang="en-US" dirty="0" smtClean="0"/>
-              <a:t>일부에 사용되는 </a:t>
-            </a:r>
-            <a:r>
-              <a:rPr lang="en-US" altLang="ko-KR" dirty="0" smtClean="0"/>
-              <a:t>Pyramid Scene Parsing Network(PSPNet)</a:t>
-            </a:r>
-          </a:p>
-          <a:p>
-            <a:pPr lvl="2">
-              <a:buSzPct val="100000"/>
-            </a:pPr>
-            <a:r>
-              <a:rPr lang="ko-KR" altLang="en-US" dirty="0"/>
-              <a:t>마지막 </a:t>
-            </a:r>
-            <a:r>
-              <a:rPr lang="en-US" altLang="ko-KR" dirty="0"/>
-              <a:t>convolution</a:t>
-            </a:r>
-            <a:r>
-              <a:rPr lang="ko-KR" altLang="en-US" dirty="0"/>
-              <a:t>의 </a:t>
-            </a:r>
-            <a:r>
-              <a:rPr lang="en-US" altLang="ko-KR" dirty="0"/>
-              <a:t>output feature map</a:t>
-            </a:r>
-            <a:r>
-              <a:rPr lang="ko-KR" altLang="en-US" dirty="0"/>
-              <a:t>을 여러 </a:t>
-            </a:r>
-            <a:r>
-              <a:rPr lang="en-US" altLang="ko-KR" dirty="0"/>
-              <a:t>scale</a:t>
-            </a:r>
-            <a:r>
-              <a:rPr lang="ko-KR" altLang="en-US" dirty="0"/>
-              <a:t>로 </a:t>
-            </a:r>
-            <a:r>
-              <a:rPr lang="en-US" altLang="ko-KR" dirty="0"/>
-              <a:t>pooling(multi-scale feature maps) </a:t>
-            </a:r>
-            <a:r>
-              <a:rPr lang="ko-KR" altLang="en-US" dirty="0"/>
-              <a:t>한 후</a:t>
-            </a:r>
-            <a:r>
-              <a:rPr lang="en-US" altLang="ko-KR" dirty="0"/>
-              <a:t>, </a:t>
-            </a:r>
-            <a:r>
-              <a:rPr lang="ko-KR" altLang="en-US" dirty="0"/>
-              <a:t>병합시켜 </a:t>
-            </a:r>
-            <a:r>
-              <a:rPr lang="en-US" altLang="ko-KR" dirty="0"/>
-              <a:t>prediction</a:t>
-            </a:r>
-            <a:r>
-              <a:rPr lang="ko-KR" altLang="en-US" dirty="0"/>
-              <a:t>을 </a:t>
-            </a:r>
-            <a:r>
-              <a:rPr lang="ko-KR" altLang="en-US" dirty="0" smtClean="0"/>
-              <a:t>진행</a:t>
-            </a:r>
-            <a:endParaRPr lang="en-US" altLang="ko-KR" dirty="0"/>
           </a:p>
         </p:txBody>
       </p:sp>
@@ -10192,7 +10329,7 @@
           <a:p>
             <a:r>
               <a:rPr lang="en-US" altLang="ko-KR" dirty="0" smtClean="0"/>
-              <a:t>Related works(I)</a:t>
+              <a:t>Related works</a:t>
             </a:r>
             <a:endParaRPr lang="ko-KR" altLang="en-US" dirty="0"/>
           </a:p>
@@ -10255,32 +10392,25 @@
           <a:bodyPr/>
           <a:lstStyle/>
           <a:p>
+            <a:pPr>
+              <a:buSzPct val="100000"/>
+            </a:pPr>
+            <a:r>
+              <a:rPr lang="en-US" altLang="ko-KR" dirty="0" smtClean="0"/>
+              <a:t>Decoding Methods(Meta-Architectures)</a:t>
+            </a:r>
+          </a:p>
+          <a:p>
             <a:pPr lvl="1">
               <a:buSzPct val="100000"/>
             </a:pPr>
             <a:r>
-              <a:rPr lang="en-US" altLang="ko-KR" dirty="0"/>
-              <a:t>Lin, G., Milan, A., Shen, C., Reid, I.D.: </a:t>
-            </a:r>
-            <a:r>
               <a:rPr lang="en-US" altLang="ko-KR" dirty="0" err="1" smtClean="0"/>
-              <a:t>RefineNet</a:t>
-            </a:r>
-            <a:r>
-              <a:rPr lang="en-US" altLang="ko-KR" dirty="0"/>
-              <a:t>: Multi-path </a:t>
-            </a:r>
-            <a:r>
-              <a:rPr lang="en-US" altLang="ko-KR" dirty="0" smtClean="0"/>
-              <a:t>refinement networks for </a:t>
-            </a:r>
-            <a:r>
-              <a:rPr lang="en-US" altLang="ko-KR" dirty="0"/>
-              <a:t>high-resolution semantic segmentation. In: CVPR. (2017</a:t>
-            </a:r>
-            <a:r>
-              <a:rPr lang="en-US" altLang="ko-KR" dirty="0" smtClean="0"/>
-              <a:t>)</a:t>
+              <a:t>SkipNet</a:t>
+            </a:r>
+            <a:r>
+              <a:rPr lang="en-US" altLang="ko-KR" dirty="0" smtClean="0"/>
+              <a:t> meta-architecture</a:t>
             </a:r>
           </a:p>
           <a:p>
@@ -10289,147 +10419,207 @@
             </a:pPr>
             <a:r>
               <a:rPr lang="en-US" altLang="ko-KR" dirty="0" smtClean="0"/>
-              <a:t>Multi-scale image feature</a:t>
-            </a:r>
-            <a:r>
-              <a:rPr lang="ko-KR" altLang="en-US" dirty="0" smtClean="0"/>
-              <a:t>를 </a:t>
-            </a:r>
-            <a:r>
-              <a:rPr lang="en-US" altLang="ko-KR" dirty="0" smtClean="0"/>
-              <a:t>multi-path refinement network</a:t>
-            </a:r>
-            <a:r>
-              <a:rPr lang="ko-KR" altLang="en-US" dirty="0" smtClean="0"/>
-              <a:t>로 병합</a:t>
+              <a:t>Deconvolution</a:t>
+            </a:r>
+            <a:r>
+              <a:rPr lang="ko-KR" altLang="en-US" dirty="0" smtClean="0"/>
+              <a:t>을 </a:t>
+            </a:r>
+            <a:r>
+              <a:rPr lang="en-US" altLang="ko-KR" dirty="0" smtClean="0"/>
+              <a:t>feature map</a:t>
+            </a:r>
+            <a:r>
+              <a:rPr lang="ko-KR" altLang="en-US" dirty="0" smtClean="0"/>
+              <a:t>이 아닌 </a:t>
+            </a:r>
+            <a:r>
+              <a:rPr lang="en-US" altLang="ko-KR" dirty="0" smtClean="0"/>
+              <a:t>label space</a:t>
+            </a:r>
+            <a:r>
+              <a:rPr lang="ko-KR" altLang="en-US" dirty="0" smtClean="0"/>
+              <a:t>의 </a:t>
+            </a:r>
+            <a:r>
+              <a:rPr lang="en-US" altLang="ko-KR" dirty="0" smtClean="0"/>
+              <a:t>heat map</a:t>
+            </a:r>
+            <a:r>
+              <a:rPr lang="ko-KR" altLang="en-US" dirty="0" smtClean="0"/>
+              <a:t>에 시행하여 다른 </a:t>
+            </a:r>
+            <a:r>
+              <a:rPr lang="en-US" altLang="ko-KR" dirty="0" smtClean="0"/>
+              <a:t>decoding method</a:t>
+            </a:r>
+            <a:r>
+              <a:rPr lang="ko-KR" altLang="en-US" dirty="0" smtClean="0"/>
+              <a:t>보다 계산 효율이 뛰어남</a:t>
             </a:r>
             <a:endParaRPr lang="en-US" altLang="ko-KR" dirty="0" smtClean="0"/>
-          </a:p>
-          <a:p>
-            <a:pPr lvl="1">
-              <a:buSzPct val="100000"/>
-            </a:pPr>
-            <a:r>
-              <a:rPr lang="ko-KR" altLang="en-US" dirty="0" smtClean="0"/>
-              <a:t>해당 방법들은 정확도면에서 효과적이지만 </a:t>
-            </a:r>
-            <a:r>
-              <a:rPr lang="en-US" altLang="ko-KR" dirty="0" smtClean="0"/>
-              <a:t>real-time inference</a:t>
-            </a:r>
-            <a:r>
-              <a:rPr lang="ko-KR" altLang="en-US" dirty="0" smtClean="0"/>
-              <a:t>를 수행하기에는 한계가 있음</a:t>
-            </a:r>
-            <a:endParaRPr lang="en-US" altLang="ko-KR" dirty="0"/>
-          </a:p>
-          <a:p>
-            <a:pPr>
-              <a:buSzPct val="100000"/>
-            </a:pPr>
-            <a:r>
-              <a:rPr lang="en-US" altLang="ko-KR" dirty="0" smtClean="0"/>
-              <a:t>High Efficiency </a:t>
-            </a:r>
-            <a:r>
-              <a:rPr lang="en-US" altLang="ko-KR" dirty="0"/>
-              <a:t>Semantic </a:t>
-            </a:r>
-            <a:r>
-              <a:rPr lang="en-US" altLang="ko-KR" dirty="0" smtClean="0"/>
-              <a:t>Segmentation</a:t>
-            </a:r>
-          </a:p>
-          <a:p>
-            <a:pPr lvl="1">
-              <a:buSzPct val="100000"/>
-            </a:pPr>
-            <a:r>
-              <a:rPr lang="en-US" altLang="ko-KR" dirty="0"/>
-              <a:t>Paszke, A., </a:t>
-            </a:r>
-            <a:r>
-              <a:rPr lang="en-US" altLang="ko-KR" dirty="0" err="1"/>
-              <a:t>Chaurasia</a:t>
-            </a:r>
-            <a:r>
-              <a:rPr lang="en-US" altLang="ko-KR" dirty="0"/>
-              <a:t>, A., Kim, S., </a:t>
-            </a:r>
-            <a:r>
-              <a:rPr lang="en-US" altLang="ko-KR" dirty="0" err="1"/>
-              <a:t>Culurciello</a:t>
-            </a:r>
-            <a:r>
-              <a:rPr lang="en-US" altLang="ko-KR" dirty="0"/>
-              <a:t>, E.: </a:t>
-            </a:r>
-            <a:r>
-              <a:rPr lang="en-US" altLang="ko-KR" dirty="0" err="1"/>
-              <a:t>Enet</a:t>
-            </a:r>
-            <a:r>
-              <a:rPr lang="en-US" altLang="ko-KR" dirty="0"/>
-              <a:t>: A deep neural network architecture for real-time semantic segmentation. arXiv:1606.02147 (2016)  &amp;</a:t>
-            </a:r>
-            <a:br>
-              <a:rPr lang="en-US" altLang="ko-KR" dirty="0"/>
-            </a:br>
-            <a:r>
-              <a:rPr lang="en-US" altLang="ko-KR" dirty="0"/>
-              <a:t>Romera, E., Alvarez, J.M., </a:t>
-            </a:r>
-            <a:r>
-              <a:rPr lang="en-US" altLang="ko-KR" dirty="0" err="1"/>
-              <a:t>Bergasa</a:t>
-            </a:r>
-            <a:r>
-              <a:rPr lang="en-US" altLang="ko-KR" dirty="0"/>
-              <a:t>, L.M., Arroyo, R.: </a:t>
-            </a:r>
-            <a:r>
-              <a:rPr lang="en-US" altLang="ko-KR" dirty="0" smtClean="0"/>
-              <a:t>Efficient </a:t>
-            </a:r>
-            <a:r>
-              <a:rPr lang="en-US" altLang="ko-KR" dirty="0" err="1"/>
-              <a:t>convnet</a:t>
-            </a:r>
-            <a:r>
-              <a:rPr lang="en-US" altLang="ko-KR" dirty="0"/>
-              <a:t> for </a:t>
-            </a:r>
-            <a:r>
-              <a:rPr lang="en-US" altLang="ko-KR" dirty="0" smtClean="0"/>
-              <a:t>real-time </a:t>
-            </a:r>
-            <a:r>
-              <a:rPr lang="en-US" altLang="ko-KR" dirty="0"/>
-              <a:t>semantic segmentation. In: Intelligent Vehicles Symposium (IV). (2017</a:t>
-            </a:r>
-            <a:r>
-              <a:rPr lang="en-US" altLang="ko-KR" dirty="0" smtClean="0"/>
-              <a:t>)</a:t>
-            </a:r>
           </a:p>
           <a:p>
             <a:pPr lvl="2">
               <a:buSzPct val="100000"/>
             </a:pPr>
             <a:r>
-              <a:rPr lang="en-US" altLang="ko-KR" dirty="0" smtClean="0"/>
-              <a:t>Light-weight network</a:t>
-            </a:r>
-            <a:r>
-              <a:rPr lang="ko-KR" altLang="en-US" dirty="0" smtClean="0"/>
-              <a:t>를 고안하여 시간적 효율을 얻었으나 정확도에 대한 상당한 희생을 감수</a:t>
-            </a:r>
-            <a:endParaRPr lang="en-US" altLang="ko-KR" dirty="0"/>
+              <a:rPr lang="ko-KR" altLang="en-US" dirty="0" smtClean="0"/>
+              <a:t>고화질 </a:t>
+            </a:r>
+            <a:r>
+              <a:rPr lang="en-US" altLang="ko-KR" dirty="0" smtClean="0"/>
+              <a:t>feature map</a:t>
+            </a:r>
+            <a:r>
+              <a:rPr lang="ko-KR" altLang="en-US" dirty="0" smtClean="0"/>
+              <a:t>이 </a:t>
+            </a:r>
+            <a:r>
+              <a:rPr lang="en-US" altLang="ko-KR" dirty="0" smtClean="0"/>
+              <a:t>1x1 filter</a:t>
+            </a:r>
+            <a:r>
+              <a:rPr lang="ko-KR" altLang="en-US" dirty="0" smtClean="0"/>
+              <a:t>와 </a:t>
+            </a:r>
+            <a:r>
+              <a:rPr lang="en-US" altLang="ko-KR" dirty="0" smtClean="0"/>
+              <a:t>convolution</a:t>
+            </a:r>
+            <a:r>
+              <a:rPr lang="ko-KR" altLang="en-US" dirty="0" smtClean="0"/>
+              <a:t>되어 </a:t>
+            </a:r>
+            <a:r>
+              <a:rPr lang="en-US" altLang="ko-KR" dirty="0" smtClean="0"/>
+              <a:t>labelling</a:t>
+            </a:r>
+            <a:br>
+              <a:rPr lang="en-US" altLang="ko-KR" dirty="0" smtClean="0"/>
+            </a:br>
+            <a:r>
+              <a:rPr lang="ko-KR" altLang="en-US" dirty="0" smtClean="0"/>
+              <a:t>이 되고</a:t>
+            </a:r>
+            <a:r>
+              <a:rPr lang="en-US" altLang="ko-KR" dirty="0" smtClean="0"/>
+              <a:t>, </a:t>
+            </a:r>
+            <a:r>
+              <a:rPr lang="ko-KR" altLang="en-US" dirty="0" smtClean="0"/>
+              <a:t>이 </a:t>
+            </a:r>
+            <a:r>
+              <a:rPr lang="en-US" altLang="ko-KR" dirty="0" smtClean="0"/>
+              <a:t>heat map</a:t>
+            </a:r>
+            <a:r>
+              <a:rPr lang="ko-KR" altLang="en-US" dirty="0" smtClean="0"/>
+              <a:t>이 </a:t>
+            </a:r>
+            <a:r>
+              <a:rPr lang="en-US" altLang="ko-KR" dirty="0" smtClean="0"/>
+              <a:t>1/32 </a:t>
+            </a:r>
+            <a:r>
+              <a:rPr lang="en-US" altLang="ko-KR" dirty="0" err="1" smtClean="0"/>
+              <a:t>downsampling</a:t>
+            </a:r>
+            <a:r>
+              <a:rPr lang="ko-KR" altLang="en-US" dirty="0" smtClean="0"/>
+              <a:t>되어 </a:t>
+            </a:r>
+            <a:r>
+              <a:rPr lang="en-US" altLang="ko-KR" dirty="0" smtClean="0"/>
+              <a:t>stride 2</a:t>
+            </a:r>
+            <a:r>
+              <a:rPr lang="ko-KR" altLang="en-US" dirty="0" smtClean="0"/>
+              <a:t>로 </a:t>
+            </a:r>
+            <a:r>
+              <a:rPr lang="en-US" altLang="ko-KR" dirty="0" smtClean="0"/>
+              <a:t/>
+            </a:r>
+            <a:br>
+              <a:rPr lang="en-US" altLang="ko-KR" dirty="0" smtClean="0"/>
+            </a:br>
+            <a:r>
+              <a:rPr lang="en-US" altLang="ko-KR" dirty="0" smtClean="0"/>
+              <a:t>deconvolution</a:t>
+            </a:r>
           </a:p>
           <a:p>
             <a:pPr lvl="2">
               <a:buSzPct val="100000"/>
             </a:pPr>
+            <a:r>
+              <a:rPr lang="en-US" altLang="ko-KR" dirty="0" err="1" smtClean="0"/>
+              <a:t>Upsampled</a:t>
+            </a:r>
+            <a:r>
+              <a:rPr lang="ko-KR" altLang="en-US" dirty="0" smtClean="0"/>
+              <a:t>된 </a:t>
+            </a:r>
+            <a:r>
+              <a:rPr lang="en-US" altLang="ko-KR" dirty="0" smtClean="0"/>
+              <a:t>heat map</a:t>
+            </a:r>
+            <a:r>
+              <a:rPr lang="ko-KR" altLang="en-US" dirty="0" smtClean="0"/>
+              <a:t>은 이전에 얻은 고화질의 </a:t>
+            </a:r>
+            <a:r>
+              <a:rPr lang="en-US" altLang="ko-KR" dirty="0" smtClean="0"/>
+              <a:t>feature map</a:t>
+            </a:r>
+            <a:r>
+              <a:rPr lang="ko-KR" altLang="en-US" dirty="0" smtClean="0"/>
+              <a:t>과</a:t>
+            </a:r>
+            <a:r>
+              <a:rPr lang="en-US" altLang="ko-KR" dirty="0" smtClean="0"/>
+              <a:t/>
+            </a:r>
+            <a:br>
+              <a:rPr lang="en-US" altLang="ko-KR" dirty="0" smtClean="0"/>
+            </a:br>
+            <a:r>
+              <a:rPr lang="ko-KR" altLang="en-US" dirty="0" smtClean="0"/>
+              <a:t> 병합되며 </a:t>
+            </a:r>
+            <a:r>
+              <a:rPr lang="en-US" altLang="ko-KR" dirty="0" smtClean="0"/>
+              <a:t>stride 8</a:t>
+            </a:r>
+            <a:r>
+              <a:rPr lang="ko-KR" altLang="en-US" dirty="0" smtClean="0"/>
+              <a:t>로 </a:t>
+            </a:r>
+            <a:r>
+              <a:rPr lang="en-US" altLang="ko-KR" dirty="0" smtClean="0"/>
+              <a:t>deconvolution</a:t>
+            </a:r>
+            <a:r>
+              <a:rPr lang="ko-KR" altLang="en-US" dirty="0" smtClean="0"/>
+              <a:t>하여 </a:t>
+            </a:r>
+            <a:r>
+              <a:rPr lang="en-US" altLang="ko-KR" dirty="0" smtClean="0"/>
+              <a:t>upsampling</a:t>
+            </a:r>
+            <a:r>
+              <a:rPr lang="ko-KR" altLang="en-US" dirty="0" smtClean="0"/>
+              <a:t>됨</a:t>
+            </a:r>
+            <a:r>
+              <a:rPr lang="en-US" altLang="ko-KR" dirty="0" smtClean="0"/>
+              <a:t/>
+            </a:r>
+            <a:br>
+              <a:rPr lang="en-US" altLang="ko-KR" dirty="0" smtClean="0"/>
+            </a:br>
             <a:endParaRPr lang="ko-KR" altLang="en-US" dirty="0"/>
           </a:p>
         </p:txBody>
@@ -10451,16 +10641,70 @@
           <a:p>
             <a:r>
               <a:rPr lang="en-US" altLang="ko-KR" dirty="0" smtClean="0"/>
-              <a:t>Related works(II)</a:t>
+              <a:t>Contributions(I)</a:t>
             </a:r>
             <a:endParaRPr lang="ko-KR" altLang="en-US" dirty="0"/>
           </a:p>
         </p:txBody>
       </p:sp>
+      <p:pic>
+        <p:nvPicPr>
+          <p:cNvPr id="1026" name="Picture 2"/>
+          <p:cNvPicPr>
+            <a:picLocks noChangeAspect="1" noChangeArrowheads="1"/>
+          </p:cNvPicPr>
+          <p:nvPr/>
+        </p:nvPicPr>
+        <p:blipFill>
+          <a:blip r:embed="rId2">
+            <a:extLst>
+              <a:ext uri="{28A0092B-C50C-407E-A947-70E740481C1C}">
+                <a14:useLocalDpi xmlns:a14="http://schemas.microsoft.com/office/drawing/2010/main" val="0"/>
+              </a:ext>
+            </a:extLst>
+          </a:blip>
+          <a:srcRect/>
+          <a:stretch>
+            <a:fillRect/>
+          </a:stretch>
+        </p:blipFill>
+        <p:spPr bwMode="auto">
+          <a:xfrm rot="5400000">
+            <a:off x="5598751" y="2866415"/>
+            <a:ext cx="4415472" cy="2675026"/>
+          </a:xfrm>
+          <a:prstGeom prst="rect">
+            <a:avLst/>
+          </a:prstGeom>
+          <a:noFill/>
+          <a:ln>
+            <a:noFill/>
+          </a:ln>
+          <a:extLst>
+            <a:ext uri="{909E8E84-426E-40DD-AFC4-6F175D3DCCD1}">
+              <a14:hiddenFill xmlns:a14="http://schemas.microsoft.com/office/drawing/2010/main">
+                <a:solidFill>
+                  <a:schemeClr val="accent1"/>
+                </a:solidFill>
+              </a14:hiddenFill>
+            </a:ext>
+            <a:ext uri="{91240B29-F687-4F45-9708-019B960494DF}">
+              <a14:hiddenLine xmlns:a14="http://schemas.microsoft.com/office/drawing/2010/main" w="9525">
+                <a:solidFill>
+                  <a:schemeClr val="tx1"/>
+                </a:solidFill>
+                <a:miter lim="800000"/>
+                <a:headEnd/>
+                <a:tailEnd/>
+              </a14:hiddenLine>
+            </a:ext>
+          </a:extLst>
+        </p:spPr>
+      </p:pic>
     </p:spTree>
     <p:extLst>
       <p:ext uri="{BB962C8B-B14F-4D97-AF65-F5344CB8AC3E}">
-        <p14:creationId xmlns:p14="http://schemas.microsoft.com/office/powerpoint/2010/main" val="1072375119"/>
+        <p14:creationId xmlns:p14="http://schemas.microsoft.com/office/powerpoint/2010/main" val="3835528933"/>
       </p:ext>
     </p:extLst>
   </p:cSld>
@@ -10514,54 +10758,136 @@
           <a:bodyPr/>
           <a:lstStyle/>
           <a:p>
-            <a:pPr>
-              <a:buSzPct val="100000"/>
-            </a:pPr>
-            <a:r>
-              <a:rPr lang="en-US" altLang="ko-KR" dirty="0" smtClean="0"/>
-              <a:t>Network Architecture</a:t>
-            </a:r>
-          </a:p>
-          <a:p>
-            <a:pPr>
-              <a:buSzPct val="100000"/>
-            </a:pPr>
-            <a:endParaRPr lang="en-US" altLang="ko-KR" dirty="0"/>
-          </a:p>
-          <a:p>
-            <a:pPr>
-              <a:buSzPct val="100000"/>
-            </a:pPr>
-            <a:endParaRPr lang="en-US" altLang="ko-KR" dirty="0" smtClean="0"/>
-          </a:p>
-          <a:p>
-            <a:pPr>
-              <a:buSzPct val="100000"/>
-            </a:pPr>
-            <a:endParaRPr lang="en-US" altLang="ko-KR" dirty="0"/>
-          </a:p>
-          <a:p>
-            <a:pPr>
-              <a:buSzPct val="100000"/>
-            </a:pPr>
-            <a:endParaRPr lang="en-US" altLang="ko-KR" dirty="0" smtClean="0"/>
-          </a:p>
-          <a:p>
-            <a:pPr>
-              <a:buSzPct val="100000"/>
-            </a:pPr>
-            <a:endParaRPr lang="en-US" altLang="ko-KR" dirty="0"/>
-          </a:p>
-          <a:p>
-            <a:pPr>
-              <a:buSzPct val="100000"/>
-            </a:pPr>
-            <a:endParaRPr lang="en-US" altLang="ko-KR" dirty="0" smtClean="0"/>
-          </a:p>
-          <a:p>
             <a:pPr lvl="1">
               <a:buSzPct val="100000"/>
             </a:pPr>
+            <a:r>
+              <a:rPr lang="en-US" altLang="ko-KR" dirty="0" smtClean="0"/>
+              <a:t>U-Net meta-architecture</a:t>
+            </a:r>
+          </a:p>
+          <a:p>
+            <a:pPr lvl="2">
+              <a:buSzPct val="100000"/>
+            </a:pPr>
+            <a:r>
+              <a:rPr lang="en-US" altLang="ko-KR" dirty="0" err="1" smtClean="0"/>
+              <a:t>Downsamplig</a:t>
+            </a:r>
+            <a:r>
+              <a:rPr lang="ko-KR" altLang="en-US" dirty="0" smtClean="0"/>
+              <a:t>에 사용되었던 </a:t>
+            </a:r>
+            <a:r>
+              <a:rPr lang="en-US" altLang="ko-KR" dirty="0" smtClean="0"/>
+              <a:t>convolution filter</a:t>
+            </a:r>
+            <a:r>
+              <a:rPr lang="ko-KR" altLang="en-US" dirty="0" smtClean="0"/>
+              <a:t>를 </a:t>
+            </a:r>
+            <a:r>
+              <a:rPr lang="en-US" altLang="ko-KR" dirty="0" smtClean="0"/>
+              <a:t>upsampling</a:t>
+            </a:r>
+            <a:r>
+              <a:rPr lang="ko-KR" altLang="en-US" dirty="0" smtClean="0"/>
+              <a:t>에서 </a:t>
+            </a:r>
+            <a:r>
+              <a:rPr lang="en-US" altLang="ko-KR" dirty="0" smtClean="0"/>
+              <a:t>deconvolution</a:t>
+            </a:r>
+            <a:r>
+              <a:rPr lang="ko-KR" altLang="en-US" dirty="0" smtClean="0"/>
+              <a:t>하여 대칭을 이루는 구조</a:t>
+            </a:r>
+            <a:endParaRPr lang="en-US" altLang="ko-KR" dirty="0" smtClean="0"/>
+          </a:p>
+          <a:p>
+            <a:pPr lvl="2">
+              <a:buSzPct val="100000"/>
+            </a:pPr>
+            <a:r>
+              <a:rPr lang="en-US" altLang="ko-KR" dirty="0" smtClean="0"/>
+              <a:t>Upsampling</a:t>
+            </a:r>
+            <a:r>
+              <a:rPr lang="ko-KR" altLang="en-US" dirty="0" smtClean="0"/>
+              <a:t>을 할 때</a:t>
+            </a:r>
+            <a:r>
+              <a:rPr lang="en-US" altLang="ko-KR" dirty="0" smtClean="0"/>
+              <a:t>, </a:t>
+            </a:r>
+            <a:r>
+              <a:rPr lang="ko-KR" altLang="en-US" dirty="0" smtClean="0"/>
+              <a:t>대응되는 동일한 화질을 가진</a:t>
+            </a:r>
+            <a:r>
+              <a:rPr lang="en-US" altLang="ko-KR" dirty="0" smtClean="0"/>
+              <a:t/>
+            </a:r>
+            <a:br>
+              <a:rPr lang="en-US" altLang="ko-KR" dirty="0" smtClean="0"/>
+            </a:br>
+            <a:r>
+              <a:rPr lang="ko-KR" altLang="en-US" dirty="0" smtClean="0"/>
+              <a:t> </a:t>
+            </a:r>
+            <a:r>
+              <a:rPr lang="en-US" altLang="ko-KR" dirty="0" smtClean="0"/>
+              <a:t>encoder</a:t>
+            </a:r>
+            <a:r>
+              <a:rPr lang="ko-KR" altLang="en-US" dirty="0" smtClean="0"/>
+              <a:t>의 </a:t>
+            </a:r>
+            <a:r>
+              <a:rPr lang="en-US" altLang="ko-KR" dirty="0" smtClean="0"/>
+              <a:t>feature map</a:t>
+            </a:r>
+            <a:r>
+              <a:rPr lang="ko-KR" altLang="en-US" dirty="0" smtClean="0"/>
+              <a:t>을 병합하여 정확도 향상</a:t>
+            </a:r>
+            <a:endParaRPr lang="en-US" altLang="ko-KR" dirty="0" smtClean="0"/>
+          </a:p>
+          <a:p>
+            <a:pPr lvl="2">
+              <a:buSzPct val="100000"/>
+            </a:pPr>
+            <a:r>
+              <a:rPr lang="en-US" altLang="ko-KR" dirty="0" err="1" smtClean="0"/>
+              <a:t>Upsampled</a:t>
+            </a:r>
+            <a:r>
+              <a:rPr lang="en-US" altLang="ko-KR" dirty="0" smtClean="0"/>
+              <a:t> feature map</a:t>
+            </a:r>
+            <a:r>
+              <a:rPr lang="ko-KR" altLang="en-US" dirty="0" smtClean="0"/>
+              <a:t>은 마지막에 </a:t>
+            </a:r>
+            <a:r>
+              <a:rPr lang="en-US" altLang="ko-KR" dirty="0" smtClean="0"/>
+              <a:t>1x1 convolution</a:t>
+            </a:r>
+            <a:br>
+              <a:rPr lang="en-US" altLang="ko-KR" dirty="0" smtClean="0"/>
+            </a:br>
+            <a:r>
+              <a:rPr lang="ko-KR" altLang="en-US" dirty="0" smtClean="0"/>
+              <a:t>을 거쳐 픽셀 단위의 </a:t>
+            </a:r>
+            <a:r>
+              <a:rPr lang="en-US" altLang="ko-KR" dirty="0" smtClean="0"/>
+              <a:t>labeling</a:t>
+            </a:r>
+            <a:r>
+              <a:rPr lang="ko-KR" altLang="en-US" dirty="0" smtClean="0"/>
+              <a:t>이 됨</a:t>
+            </a:r>
             <a:endParaRPr lang="en-US" altLang="ko-KR" dirty="0" smtClean="0"/>
           </a:p>
           <a:p>
@@ -10569,96 +10895,146 @@
               <a:buSzPct val="100000"/>
             </a:pPr>
             <a:r>
-              <a:rPr lang="ko-KR" altLang="en-US" dirty="0" smtClean="0"/>
-              <a:t>원본 이미지</a:t>
-            </a:r>
-            <a:r>
-              <a:rPr lang="en-US" altLang="ko-KR" dirty="0" smtClean="0"/>
-              <a:t>(full resolution)</a:t>
-            </a:r>
-            <a:r>
-              <a:rPr lang="ko-KR" altLang="en-US" dirty="0" smtClean="0"/>
-              <a:t>을 </a:t>
-            </a:r>
-            <a:r>
-              <a:rPr lang="en-US" altLang="ko-KR" dirty="0" smtClean="0"/>
-              <a:t>½, ¼</a:t>
-            </a:r>
-            <a:r>
-              <a:rPr lang="ko-KR" altLang="en-US" dirty="0" smtClean="0"/>
+              <a:rPr lang="en-US" altLang="ko-KR" dirty="0"/>
+              <a:t>Dilation Frontend meta-architecture</a:t>
+            </a:r>
+          </a:p>
+          <a:p>
+            <a:pPr lvl="2">
+              <a:buSzPct val="100000"/>
+            </a:pPr>
+            <a:r>
+              <a:rPr lang="en-US" altLang="ko-KR" dirty="0"/>
+              <a:t>Dilated convolution</a:t>
+            </a:r>
+            <a:r>
+              <a:rPr lang="ko-KR" altLang="en-US" dirty="0"/>
+              <a:t>로</a:t>
+            </a:r>
+            <a:r>
+              <a:rPr lang="en-US" altLang="ko-KR" dirty="0"/>
+              <a:t> feature map</a:t>
+            </a:r>
+            <a:r>
+              <a:rPr lang="ko-KR" altLang="en-US" dirty="0"/>
+              <a:t>의  몇몇 </a:t>
+            </a:r>
+            <a:r>
+              <a:rPr lang="en-US" altLang="ko-KR" dirty="0" smtClean="0"/>
+              <a:t/>
+            </a:r>
+            <a:br>
+              <a:rPr lang="en-US" altLang="ko-KR" dirty="0" smtClean="0"/>
+            </a:br>
+            <a:r>
+              <a:rPr lang="en-US" altLang="ko-KR" dirty="0" smtClean="0"/>
+              <a:t>down </a:t>
+            </a:r>
+            <a:r>
+              <a:rPr lang="en-US" altLang="ko-KR" dirty="0"/>
+              <a:t>sampling</a:t>
+            </a:r>
+            <a:r>
+              <a:rPr lang="ko-KR" altLang="en-US" dirty="0"/>
+              <a:t>대체하여 화질을 적절하게 유지</a:t>
+            </a:r>
+            <a:endParaRPr lang="en-US" altLang="ko-KR" dirty="0"/>
+          </a:p>
+          <a:p>
+            <a:pPr lvl="2">
+              <a:buSzPct val="100000"/>
+            </a:pPr>
+            <a:r>
+              <a:rPr lang="ko-KR" altLang="en-US" dirty="0"/>
+              <a:t>화질 값이 크기 때문에 계산량이 늘어나는 </a:t>
+            </a:r>
+            <a:r>
+              <a:rPr lang="ko-KR" altLang="en-US" dirty="0" smtClean="0"/>
+              <a:t>단점을</a:t>
+            </a:r>
+            <a:r>
+              <a:rPr lang="en-US" altLang="ko-KR" dirty="0" smtClean="0"/>
+              <a:t/>
+            </a:r>
+            <a:br>
+              <a:rPr lang="en-US" altLang="ko-KR" dirty="0" smtClean="0"/>
+            </a:br>
+            <a:r>
+              <a:rPr lang="ko-KR" altLang="en-US" dirty="0" smtClean="0"/>
+              <a:t> </a:t>
+            </a:r>
+            <a:r>
+              <a:rPr lang="ko-KR" altLang="en-US" dirty="0"/>
+              <a:t>지님</a:t>
+            </a:r>
+            <a:endParaRPr lang="en-US" altLang="ko-KR" dirty="0"/>
+          </a:p>
+          <a:p>
+            <a:pPr lvl="2">
+              <a:buSzPct val="100000"/>
+            </a:pPr>
+            <a:r>
+              <a:rPr lang="en-US" altLang="ko-KR" dirty="0" err="1"/>
+              <a:t>SkipNet</a:t>
+            </a:r>
+            <a:r>
+              <a:rPr lang="ko-KR" altLang="en-US" dirty="0"/>
+              <a:t>과 같은 </a:t>
+            </a:r>
+            <a:r>
+              <a:rPr lang="en-US" altLang="ko-KR" dirty="0"/>
+              <a:t>1/32 </a:t>
+            </a:r>
+            <a:r>
+              <a:rPr lang="ko-KR" altLang="en-US" dirty="0"/>
               <a:t>로 </a:t>
             </a:r>
             <a:r>
-              <a:rPr lang="en-US" altLang="ko-KR" dirty="0" smtClean="0"/>
-              <a:t>down-sampling</a:t>
-            </a:r>
-            <a:r>
-              <a:rPr lang="ko-KR" altLang="en-US" dirty="0" smtClean="0"/>
-              <a:t>하여 </a:t>
-            </a:r>
-            <a:r>
-              <a:rPr lang="en-US" altLang="ko-KR" dirty="0" smtClean="0"/>
-              <a:t>cascade input image</a:t>
-            </a:r>
-            <a:r>
-              <a:rPr lang="ko-KR" altLang="en-US" dirty="0" smtClean="0"/>
-              <a:t>형성</a:t>
-            </a:r>
-            <a:endParaRPr lang="en-US" altLang="ko-KR" dirty="0" smtClean="0"/>
-          </a:p>
-          <a:p>
-            <a:pPr lvl="1">
+              <a:rPr lang="en-US" altLang="ko-KR" dirty="0"/>
+              <a:t>down sampling</a:t>
+            </a:r>
+            <a:r>
+              <a:rPr lang="ko-KR" altLang="en-US" dirty="0"/>
+              <a:t>하지 않고</a:t>
+            </a:r>
+            <a:r>
+              <a:rPr lang="en-US" altLang="ko-KR" dirty="0"/>
+              <a:t>, </a:t>
+            </a:r>
+            <a:r>
+              <a:rPr lang="en-US" altLang="ko-KR" dirty="0" smtClean="0"/>
+              <a:t/>
+            </a:r>
+            <a:br>
+              <a:rPr lang="en-US" altLang="ko-KR" dirty="0" smtClean="0"/>
+            </a:br>
+            <a:r>
+              <a:rPr lang="en-US" altLang="ko-KR" dirty="0" smtClean="0"/>
+              <a:t>1/8</a:t>
+            </a:r>
+            <a:r>
+              <a:rPr lang="ko-KR" altLang="en-US" dirty="0" smtClean="0"/>
+              <a:t> </a:t>
+            </a:r>
+            <a:r>
+              <a:rPr lang="ko-KR" altLang="en-US" dirty="0"/>
+              <a:t>로 </a:t>
+            </a:r>
+            <a:r>
+              <a:rPr lang="en-US" altLang="ko-KR" dirty="0"/>
+              <a:t>down sampling</a:t>
+            </a:r>
+          </a:p>
+          <a:p>
+            <a:pPr marL="455612" lvl="1" indent="0">
               <a:buSzPct val="100000"/>
-            </a:pPr>
-            <a:r>
-              <a:rPr lang="ko-KR" altLang="en-US" dirty="0" smtClean="0"/>
-              <a:t>높은 정확도를 산출하는 </a:t>
-            </a:r>
-            <a:r>
-              <a:rPr lang="en-US" altLang="ko-KR" dirty="0" smtClean="0"/>
-              <a:t>PSPNet</a:t>
-            </a:r>
-            <a:r>
-              <a:rPr lang="ko-KR" altLang="en-US" dirty="0" smtClean="0"/>
-              <a:t>에 </a:t>
-            </a:r>
-            <a:r>
-              <a:rPr lang="en-US" altLang="ko-KR" dirty="0"/>
-              <a:t>¼</a:t>
-            </a:r>
-            <a:r>
-              <a:rPr lang="ko-KR" altLang="en-US" dirty="0"/>
-              <a:t>의 저화질 이미지를 </a:t>
-            </a:r>
-            <a:r>
-              <a:rPr lang="ko-KR" altLang="en-US" dirty="0" smtClean="0"/>
-              <a:t>입력시켜</a:t>
-            </a:r>
-            <a:r>
-              <a:rPr lang="en-US" altLang="ko-KR" dirty="0" smtClean="0"/>
-              <a:t>,</a:t>
-            </a:r>
+              <a:buNone/>
+            </a:pPr>
             <a:r>
               <a:rPr lang="ko-KR" altLang="en-US" dirty="0" smtClean="0"/>
               <a:t> </a:t>
             </a:r>
-            <a:r>
-              <a:rPr lang="en-US" altLang="ko-KR" dirty="0" smtClean="0"/>
-              <a:t>1/32</a:t>
-            </a:r>
-            <a:r>
-              <a:rPr lang="ko-KR" altLang="en-US" dirty="0" smtClean="0"/>
-              <a:t>크기로 줄여진 </a:t>
-            </a:r>
-            <a:r>
-              <a:rPr lang="en-US" altLang="ko-KR" dirty="0" smtClean="0"/>
-              <a:t>output feature map </a:t>
-            </a:r>
-            <a:r>
-              <a:rPr lang="ko-KR" altLang="en-US" dirty="0" smtClean="0"/>
-              <a:t>생성</a:t>
-            </a:r>
-            <a:endParaRPr lang="ko-KR" altLang="en-US" dirty="0"/>
+            <a:endParaRPr lang="en-US" altLang="ko-KR" dirty="0"/>
           </a:p>
         </p:txBody>
       </p:sp>
@@ -10679,7 +11055,7 @@
           <a:p>
             <a:r>
               <a:rPr lang="en-US" altLang="ko-KR" dirty="0" smtClean="0"/>
-              <a:t>Contributions(I)</a:t>
+              <a:t>Contributions(II)</a:t>
             </a:r>
             <a:endParaRPr lang="ko-KR" altLang="en-US" dirty="0"/>
           </a:p>
@@ -10707,9 +11083,9 @@
           </a:stretch>
         </p:blipFill>
         <p:spPr bwMode="auto">
-          <a:xfrm>
-            <a:off x="683567" y="1268760"/>
-            <a:ext cx="7398965" cy="3528392"/>
+          <a:xfrm rot="5400000">
+            <a:off x="4994928" y="2322999"/>
+            <a:ext cx="4464496" cy="3220113"/>
           </a:xfrm>
           <a:prstGeom prst="rect">
             <a:avLst/>
@@ -10739,10 +11115,74 @@
           </a:extLst>
         </p:spPr>
       </p:pic>
+      <p:sp>
+        <p:nvSpPr>
+          <p:cNvPr id="4" name="TextBox 3"/>
+          <p:cNvSpPr txBox="1"/>
+          <p:nvPr/>
+        </p:nvSpPr>
+        <p:spPr>
+          <a:xfrm>
+            <a:off x="5724128" y="6021288"/>
+            <a:ext cx="3113105" cy="416011"/>
+          </a:xfrm>
+          <a:prstGeom prst="rect">
+            <a:avLst/>
+          </a:prstGeom>
+          <a:noFill/>
+        </p:spPr>
+        <p:txBody>
+          <a:bodyPr wrap="square" rtlCol="0">
+            <a:spAutoFit/>
+          </a:bodyPr>
+          <a:lstStyle/>
+          <a:p>
+            <a:pPr marL="455612" lvl="1" defTabSz="455613" fontAlgn="base">
+              <a:lnSpc>
+                <a:spcPct val="150000"/>
+              </a:lnSpc>
+              <a:spcBef>
+                <a:spcPct val="20000"/>
+              </a:spcBef>
+              <a:spcAft>
+                <a:spcPct val="0"/>
+              </a:spcAft>
+              <a:buClr>
+                <a:srgbClr val="000CF2"/>
+              </a:buClr>
+              <a:buSzPct val="100000"/>
+            </a:pPr>
+            <a:r>
+              <a:rPr lang="en-US" altLang="ko-KR" sz="1600" dirty="0">
+                <a:solidFill>
+                  <a:prstClr val="black"/>
+                </a:solidFill>
+                <a:latin typeface="Arial" panose="020B0604020202020204" pitchFamily="34" charset="0"/>
+                <a:cs typeface="Arial" panose="020B0604020202020204" pitchFamily="34" charset="0"/>
+              </a:rPr>
+              <a:t>U-Net </a:t>
+            </a:r>
+            <a:r>
+              <a:rPr lang="en-US" altLang="ko-KR" sz="1600" dirty="0" smtClean="0">
+                <a:solidFill>
+                  <a:prstClr val="black"/>
+                </a:solidFill>
+                <a:latin typeface="Arial" panose="020B0604020202020204" pitchFamily="34" charset="0"/>
+                <a:cs typeface="Arial" panose="020B0604020202020204" pitchFamily="34" charset="0"/>
+              </a:rPr>
+              <a:t>meta-architecture</a:t>
+            </a:r>
+            <a:endParaRPr lang="ko-KR" altLang="en-US" sz="1200" dirty="0" smtClean="0">
+              <a:latin typeface="+mn-ea"/>
+              <a:ea typeface="+mn-ea"/>
+            </a:endParaRPr>
+          </a:p>
+        </p:txBody>
+      </p:sp>
     </p:spTree>
     <p:extLst>
       <p:ext uri="{BB962C8B-B14F-4D97-AF65-F5344CB8AC3E}">
-        <p14:creationId xmlns:p14="http://schemas.microsoft.com/office/powerpoint/2010/main" val="3835528933"/>
+        <p14:creationId xmlns:p14="http://schemas.microsoft.com/office/powerpoint/2010/main" val="2831757294"/>
       </p:ext>
     </p:extLst>
   </p:cSld>
@@ -10796,213 +11236,53 @@
           <a:bodyPr/>
           <a:lstStyle/>
           <a:p>
+            <a:pPr>
+              <a:buSzPct val="100000"/>
+            </a:pPr>
+            <a:r>
+              <a:rPr lang="en-US" altLang="ko-KR" dirty="0" smtClean="0"/>
+              <a:t>Feature Extraction Architectures</a:t>
+            </a:r>
+          </a:p>
+          <a:p>
             <a:pPr lvl="1">
               <a:buSzPct val="100000"/>
             </a:pPr>
             <a:r>
-              <a:rPr lang="ko-KR" altLang="en-US" dirty="0" smtClean="0"/>
-              <a:t>정확한 </a:t>
-            </a:r>
-            <a:r>
-              <a:rPr lang="en-US" altLang="ko-KR" dirty="0" smtClean="0"/>
-              <a:t>segmentation </a:t>
-            </a:r>
-            <a:r>
-              <a:rPr lang="ko-KR" altLang="en-US" dirty="0" smtClean="0"/>
-              <a:t>결과를 얻기 위해</a:t>
-            </a:r>
-            <a:r>
-              <a:rPr lang="en-US" altLang="ko-KR" dirty="0" smtClean="0"/>
-              <a:t>, </a:t>
-            </a:r>
-            <a:r>
-              <a:rPr lang="ko-KR" altLang="en-US" dirty="0" smtClean="0"/>
-              <a:t>중간 화질</a:t>
-            </a:r>
-            <a:r>
-              <a:rPr lang="en-US" altLang="ko-KR" dirty="0" smtClean="0"/>
-              <a:t>(1/2)</a:t>
-            </a:r>
-            <a:r>
-              <a:rPr lang="ko-KR" altLang="en-US" dirty="0" smtClean="0"/>
-              <a:t>과 원본 이미지를 </a:t>
-            </a:r>
-            <a:r>
-              <a:rPr lang="en-US" altLang="ko-KR" dirty="0" smtClean="0"/>
-              <a:t>light weighted CNN(</a:t>
-            </a:r>
-            <a:r>
-              <a:rPr lang="ko-KR" altLang="en-US" dirty="0" smtClean="0"/>
-              <a:t>녹색 점선</a:t>
-            </a:r>
-            <a:r>
-              <a:rPr lang="en-US" altLang="ko-KR" dirty="0" smtClean="0"/>
-              <a:t>)</a:t>
-            </a:r>
-            <a:r>
-              <a:rPr lang="ko-KR" altLang="en-US" dirty="0" smtClean="0"/>
-              <a:t>에 입력시켜 도출한 </a:t>
-            </a:r>
-            <a:r>
-              <a:rPr lang="en-US" altLang="ko-KR" dirty="0" smtClean="0"/>
-              <a:t>output feature maps</a:t>
-            </a:r>
-            <a:r>
-              <a:rPr lang="ko-KR" altLang="en-US" dirty="0" smtClean="0"/>
-              <a:t>와 저화질 </a:t>
-            </a:r>
-            <a:r>
-              <a:rPr lang="en-US" altLang="ko-KR" dirty="0" smtClean="0"/>
-              <a:t>output feature map</a:t>
-            </a:r>
-            <a:r>
-              <a:rPr lang="ko-KR" altLang="en-US" dirty="0" smtClean="0"/>
-              <a:t>을 </a:t>
-            </a:r>
-            <a:r>
-              <a:rPr lang="en-US" altLang="ko-KR" dirty="0" smtClean="0"/>
-              <a:t>Cascade-Feature-Fusion(CFF) unit</a:t>
-            </a:r>
-            <a:r>
-              <a:rPr lang="ko-KR" altLang="en-US" dirty="0" smtClean="0"/>
-              <a:t>으로 병합</a:t>
-            </a:r>
+              <a:rPr lang="en-US" altLang="ko-KR" dirty="0" smtClean="0"/>
+              <a:t>VGG16</a:t>
+            </a:r>
+          </a:p>
+          <a:p>
+            <a:pPr lvl="2">
+              <a:buSzPct val="100000"/>
+            </a:pPr>
+            <a:r>
+              <a:rPr lang="ko-KR" altLang="en-US" dirty="0" smtClean="0"/>
+              <a:t>기존의 방식을 대표하는</a:t>
+            </a:r>
+            <a:r>
+              <a:rPr lang="en-US" altLang="ko-KR" dirty="0" smtClean="0"/>
+              <a:t>(none real-time) </a:t>
+            </a:r>
+            <a:r>
+              <a:rPr lang="ko-KR" altLang="en-US" dirty="0" smtClean="0"/>
+              <a:t>비교대상 </a:t>
+            </a:r>
+            <a:r>
+              <a:rPr lang="en-US" altLang="ko-KR" dirty="0" smtClean="0"/>
+              <a:t>architecture</a:t>
+            </a:r>
+            <a:endParaRPr lang="en-US" altLang="ko-KR" dirty="0"/>
+          </a:p>
+          <a:p>
+            <a:pPr lvl="2">
+              <a:buSzPct val="100000"/>
+            </a:pPr>
             <a:endParaRPr lang="en-US" altLang="ko-KR" dirty="0" smtClean="0"/>
           </a:p>
           <a:p>
-            <a:pPr lvl="1">
-              <a:buSzPct val="100000"/>
-            </a:pPr>
-            <a:r>
-              <a:rPr lang="ko-KR" altLang="en-US" dirty="0" smtClean="0"/>
-              <a:t>원본 화질과 </a:t>
-            </a:r>
-            <a:r>
-              <a:rPr lang="en-US" altLang="ko-KR" dirty="0" smtClean="0"/>
-              <a:t>½</a:t>
-            </a:r>
-            <a:r>
-              <a:rPr lang="ko-KR" altLang="en-US" dirty="0" smtClean="0"/>
-              <a:t>의 중간화질의 이미지에 대해서도 </a:t>
-            </a:r>
-            <a:r>
-              <a:rPr lang="en-US" altLang="ko-KR" dirty="0" smtClean="0"/>
-              <a:t>parameter</a:t>
-            </a:r>
-            <a:r>
-              <a:rPr lang="ko-KR" altLang="en-US" dirty="0" smtClean="0"/>
-              <a:t>수를 줄이는 결과를 얻을 수 있음</a:t>
-            </a:r>
-            <a:endParaRPr lang="en-US" altLang="ko-KR" dirty="0" smtClean="0"/>
-          </a:p>
-          <a:p>
-            <a:pPr lvl="1">
-              <a:buSzPct val="100000"/>
-            </a:pPr>
-            <a:r>
-              <a:rPr lang="ko-KR" altLang="en-US" dirty="0" smtClean="0"/>
-              <a:t>저화질</a:t>
-            </a:r>
-            <a:r>
-              <a:rPr lang="en-US" altLang="ko-KR" dirty="0" smtClean="0"/>
-              <a:t>(top branch)</a:t>
-            </a:r>
-            <a:r>
-              <a:rPr lang="ko-KR" altLang="en-US" dirty="0" smtClean="0"/>
-              <a:t>와 중간 화질</a:t>
-            </a:r>
-            <a:r>
-              <a:rPr lang="en-US" altLang="ko-KR" dirty="0" smtClean="0"/>
-              <a:t>(middle branch)</a:t>
-            </a:r>
-            <a:r>
-              <a:rPr lang="ko-KR" altLang="en-US" dirty="0" smtClean="0"/>
-              <a:t>의 </a:t>
-            </a:r>
-            <a:r>
-              <a:rPr lang="en-US" altLang="ko-KR" dirty="0" smtClean="0"/>
-              <a:t>convolution</a:t>
-            </a:r>
-            <a:r>
-              <a:rPr lang="ko-KR" altLang="en-US" dirty="0" smtClean="0"/>
-              <a:t>에서 가중치와 계산들이 공유가</a:t>
-            </a:r>
-            <a:r>
-              <a:rPr lang="en-US" altLang="ko-KR" dirty="0" smtClean="0"/>
-              <a:t> </a:t>
-            </a:r>
-            <a:r>
-              <a:rPr lang="ko-KR" altLang="en-US" dirty="0" smtClean="0"/>
-              <a:t>되므로 </a:t>
-            </a:r>
-            <a:r>
-              <a:rPr lang="en-US" altLang="ko-KR" dirty="0" smtClean="0"/>
-              <a:t>17 convolution layers</a:t>
-            </a:r>
-            <a:r>
-              <a:rPr lang="ko-KR" altLang="en-US" dirty="0" smtClean="0"/>
-              <a:t>를 거치고 </a:t>
-            </a:r>
-            <a:r>
-              <a:rPr lang="en-US" altLang="ko-KR" dirty="0" smtClean="0"/>
-              <a:t>outputs</a:t>
-            </a:r>
-            <a:r>
-              <a:rPr lang="ko-KR" altLang="en-US" dirty="0" smtClean="0"/>
-              <a:t>를 </a:t>
-            </a:r>
-            <a:r>
-              <a:rPr lang="en-US" altLang="ko-KR" dirty="0" smtClean="0"/>
-              <a:t>fusion</a:t>
-            </a:r>
-            <a:r>
-              <a:rPr lang="ko-KR" altLang="en-US" dirty="0" smtClean="0"/>
-              <a:t>하는데 약 </a:t>
-            </a:r>
-            <a:r>
-              <a:rPr lang="en-US" altLang="ko-KR" dirty="0" smtClean="0"/>
-              <a:t>6ms</a:t>
-            </a:r>
-            <a:r>
-              <a:rPr lang="ko-KR" altLang="en-US" dirty="0" smtClean="0"/>
-              <a:t>가 소요</a:t>
-            </a:r>
-            <a:endParaRPr lang="en-US" altLang="ko-KR" dirty="0" smtClean="0"/>
-          </a:p>
-          <a:p>
-            <a:pPr lvl="1">
-              <a:buSzPct val="100000"/>
-            </a:pPr>
-            <a:r>
-              <a:rPr lang="ko-KR" altLang="en-US" dirty="0" smtClean="0"/>
-              <a:t>그림에서 </a:t>
-            </a:r>
-            <a:r>
-              <a:rPr lang="en-US" altLang="ko-KR" dirty="0" smtClean="0"/>
-              <a:t>Cascade Label Guidance</a:t>
-            </a:r>
-            <a:r>
-              <a:rPr lang="ko-KR" altLang="en-US" dirty="0" smtClean="0"/>
-              <a:t>는 </a:t>
-            </a:r>
-            <a:r>
-              <a:rPr lang="en-US" altLang="ko-KR" dirty="0" smtClean="0"/>
-              <a:t>Ground Truth Labels</a:t>
-            </a:r>
-            <a:r>
-              <a:rPr lang="ko-KR" altLang="en-US" dirty="0" smtClean="0"/>
-              <a:t>가 모인 집합체</a:t>
-            </a:r>
-            <a:endParaRPr lang="en-US" altLang="ko-KR" dirty="0" smtClean="0"/>
-          </a:p>
-          <a:p>
-            <a:pPr lvl="1">
-              <a:buSzPct val="100000"/>
-            </a:pPr>
-            <a:endParaRPr lang="en-US" altLang="ko-KR" dirty="0" smtClean="0"/>
-          </a:p>
-          <a:p>
-            <a:pPr lvl="1">
+            <a:pPr lvl="2">
               <a:buSzPct val="100000"/>
             </a:pPr>
             <a:endParaRPr lang="ko-KR" altLang="en-US" dirty="0"/>
@@ -11026,16 +11306,70 @@
           <a:p>
             <a:r>
               <a:rPr lang="en-US" altLang="ko-KR" dirty="0" smtClean="0"/>
-              <a:t>Contributions(II)</a:t>
+              <a:t>Contributions(III)</a:t>
             </a:r>
             <a:endParaRPr lang="ko-KR" altLang="en-US" dirty="0"/>
           </a:p>
         </p:txBody>
       </p:sp>
+      <p:pic>
+        <p:nvPicPr>
+          <p:cNvPr id="5" name="Picture 2"/>
+          <p:cNvPicPr>
+            <a:picLocks noChangeAspect="1" noChangeArrowheads="1"/>
+          </p:cNvPicPr>
+          <p:nvPr/>
+        </p:nvPicPr>
+        <p:blipFill>
+          <a:blip r:embed="rId2">
+            <a:extLst>
+              <a:ext uri="{28A0092B-C50C-407E-A947-70E740481C1C}">
+                <a14:useLocalDpi xmlns:a14="http://schemas.microsoft.com/office/drawing/2010/main" val="0"/>
+              </a:ext>
+            </a:extLst>
+          </a:blip>
+          <a:srcRect/>
+          <a:stretch>
+            <a:fillRect/>
+          </a:stretch>
+        </p:blipFill>
+        <p:spPr bwMode="auto">
+          <a:xfrm>
+            <a:off x="755576" y="1988840"/>
+            <a:ext cx="5995893" cy="2659355"/>
+          </a:xfrm>
+          <a:prstGeom prst="rect">
+            <a:avLst/>
+          </a:prstGeom>
+          <a:noFill/>
+          <a:ln>
+            <a:noFill/>
+          </a:ln>
+          <a:extLst>
+            <a:ext uri="{909E8E84-426E-40DD-AFC4-6F175D3DCCD1}">
+              <a14:hiddenFill xmlns:a14="http://schemas.microsoft.com/office/drawing/2010/main">
+                <a:solidFill>
+                  <a:schemeClr val="accent1"/>
+                </a:solidFill>
+              </a14:hiddenFill>
+            </a:ext>
+            <a:ext uri="{91240B29-F687-4F45-9708-019B960494DF}">
+              <a14:hiddenLine xmlns:a14="http://schemas.microsoft.com/office/drawing/2010/main" w="9525">
+                <a:solidFill>
+                  <a:schemeClr val="tx1"/>
+                </a:solidFill>
+                <a:miter lim="800000"/>
+                <a:headEnd/>
+                <a:tailEnd/>
+              </a14:hiddenLine>
+            </a:ext>
+          </a:extLst>
+        </p:spPr>
+      </p:pic>
     </p:spTree>
     <p:extLst>
       <p:ext uri="{BB962C8B-B14F-4D97-AF65-F5344CB8AC3E}">
-        <p14:creationId xmlns:p14="http://schemas.microsoft.com/office/powerpoint/2010/main" val="1729954626"/>
+        <p14:creationId xmlns:p14="http://schemas.microsoft.com/office/powerpoint/2010/main" val="3693593118"/>
       </p:ext>
     </p:extLst>
   </p:cSld>
@@ -11074,6 +11408,369 @@
           <a:chExt cx="0" cy="0"/>
         </a:xfrm>
       </p:grpSpPr>
+      <p:sp>
+        <p:nvSpPr>
+          <p:cNvPr id="2" name="내용 개체 틀 1"/>
+          <p:cNvSpPr>
+            <a:spLocks noGrp="1"/>
+          </p:cNvSpPr>
+          <p:nvPr>
+            <p:ph sz="half" idx="10"/>
+          </p:nvPr>
+        </p:nvSpPr>
+        <p:spPr/>
+        <p:txBody>
+          <a:bodyPr/>
+          <a:lstStyle/>
+          <a:p>
+            <a:pPr lvl="1">
+              <a:buSzPct val="100000"/>
+            </a:pPr>
+            <a:r>
+              <a:rPr lang="en-US" altLang="ko-KR" dirty="0" smtClean="0"/>
+              <a:t>ResNet18</a:t>
+            </a:r>
+          </a:p>
+          <a:p>
+            <a:pPr lvl="2">
+              <a:buSzPct val="100000"/>
+            </a:pPr>
+            <a:r>
+              <a:rPr lang="ko-KR" altLang="en-US" dirty="0" smtClean="0"/>
+              <a:t>오른쪽 그림과 같이</a:t>
+            </a:r>
+            <a:r>
+              <a:rPr lang="en-US" altLang="ko-KR" dirty="0"/>
+              <a:t> </a:t>
+            </a:r>
+            <a:r>
+              <a:rPr lang="en-US" altLang="ko-KR" dirty="0" smtClean="0"/>
+              <a:t>input</a:t>
+            </a:r>
+            <a:r>
+              <a:rPr lang="ko-KR" altLang="en-US" dirty="0" smtClean="0"/>
+              <a:t>과 </a:t>
+            </a:r>
+            <a:r>
+              <a:rPr lang="en-US" altLang="ko-KR" dirty="0" smtClean="0"/>
+              <a:t>convolution layer</a:t>
+            </a:r>
+            <a:r>
+              <a:rPr lang="ko-KR" altLang="en-US" dirty="0" smtClean="0"/>
+              <a:t>를 거친 </a:t>
+            </a:r>
+            <a:r>
+              <a:rPr lang="en-US" altLang="ko-KR" dirty="0" smtClean="0"/>
+              <a:t>output</a:t>
+            </a:r>
+            <a:br>
+              <a:rPr lang="en-US" altLang="ko-KR" dirty="0" smtClean="0"/>
+            </a:br>
+            <a:r>
+              <a:rPr lang="ko-KR" altLang="en-US" dirty="0" smtClean="0"/>
+              <a:t>을 더하여 다음 </a:t>
+            </a:r>
+            <a:r>
+              <a:rPr lang="en-US" altLang="ko-KR" dirty="0" smtClean="0"/>
+              <a:t>layer</a:t>
+            </a:r>
+            <a:r>
+              <a:rPr lang="ko-KR" altLang="en-US" dirty="0" smtClean="0"/>
+              <a:t>로 입력시키는 </a:t>
+            </a:r>
+            <a:r>
+              <a:rPr lang="en-US" altLang="ko-KR" dirty="0" smtClean="0"/>
+              <a:t>residual block</a:t>
+            </a:r>
+            <a:r>
+              <a:rPr lang="ko-KR" altLang="en-US" dirty="0" smtClean="0"/>
+              <a:t>을 사용</a:t>
+            </a:r>
+            <a:endParaRPr lang="en-US" altLang="ko-KR" dirty="0"/>
+          </a:p>
+          <a:p>
+            <a:pPr lvl="1">
+              <a:buSzPct val="100000"/>
+            </a:pPr>
+            <a:r>
+              <a:rPr lang="en-US" altLang="ko-KR" dirty="0" err="1" smtClean="0"/>
+              <a:t>MobileNet</a:t>
+            </a:r>
+            <a:endParaRPr lang="en-US" altLang="ko-KR" dirty="0" smtClean="0"/>
+          </a:p>
+          <a:p>
+            <a:pPr lvl="2">
+              <a:buSzPct val="100000"/>
+            </a:pPr>
+            <a:r>
+              <a:rPr lang="en-US" altLang="ko-KR" dirty="0" smtClean="0"/>
+              <a:t>Depth-wise separable convolution</a:t>
+            </a:r>
+            <a:r>
+              <a:rPr lang="ko-KR" altLang="en-US" dirty="0" smtClean="0"/>
+              <a:t>을 기초로 함</a:t>
+            </a:r>
+            <a:endParaRPr lang="en-US" altLang="ko-KR" dirty="0" smtClean="0"/>
+          </a:p>
+          <a:p>
+            <a:pPr lvl="2">
+              <a:buSzPct val="100000"/>
+            </a:pPr>
+            <a:r>
+              <a:rPr lang="ko-KR" altLang="en-US" dirty="0" smtClean="0"/>
+              <a:t>오른쪽 아래 그림과 같이 각 채널마다 </a:t>
+            </a:r>
+            <a:r>
+              <a:rPr lang="en-US" altLang="ko-KR" dirty="0" smtClean="0"/>
+              <a:t>feature map</a:t>
+            </a:r>
+            <a:r>
+              <a:rPr lang="ko-KR" altLang="en-US" dirty="0" smtClean="0"/>
+              <a:t>을 따로</a:t>
+            </a:r>
+            <a:r>
+              <a:rPr lang="en-US" altLang="ko-KR" dirty="0" smtClean="0"/>
+              <a:t/>
+            </a:r>
+            <a:br>
+              <a:rPr lang="en-US" altLang="ko-KR" dirty="0" smtClean="0"/>
+            </a:br>
+            <a:r>
+              <a:rPr lang="ko-KR" altLang="en-US" dirty="0" smtClean="0"/>
+              <a:t>추출하는 것이 </a:t>
+            </a:r>
+            <a:r>
+              <a:rPr lang="en-US" altLang="ko-KR" dirty="0" smtClean="0"/>
+              <a:t>depth-wise convolution</a:t>
+            </a:r>
+          </a:p>
+          <a:p>
+            <a:pPr lvl="2">
+              <a:buSzPct val="100000"/>
+            </a:pPr>
+            <a:r>
+              <a:rPr lang="ko-KR" altLang="en-US" dirty="0" smtClean="0"/>
+              <a:t>채널마다 </a:t>
+            </a:r>
+            <a:r>
+              <a:rPr lang="en-US" altLang="ko-KR" dirty="0" smtClean="0"/>
+              <a:t>filter</a:t>
+            </a:r>
+            <a:r>
+              <a:rPr lang="ko-KR" altLang="en-US" dirty="0" smtClean="0"/>
+              <a:t>가 각각 존재하므로 </a:t>
+            </a:r>
+            <a:r>
+              <a:rPr lang="en-US" altLang="ko-KR" dirty="0" smtClean="0"/>
+              <a:t>input</a:t>
+            </a:r>
+            <a:r>
+              <a:rPr lang="ko-KR" altLang="en-US" dirty="0" smtClean="0"/>
+              <a:t>과 </a:t>
+            </a:r>
+            <a:r>
+              <a:rPr lang="en-US" altLang="ko-KR" dirty="0" smtClean="0"/>
+              <a:t>output</a:t>
+            </a:r>
+            <a:r>
+              <a:rPr lang="ko-KR" altLang="en-US" dirty="0" smtClean="0"/>
+              <a:t>의 </a:t>
+            </a:r>
+            <a:r>
+              <a:rPr lang="en-US" altLang="ko-KR" dirty="0"/>
+              <a:t/>
+            </a:r>
+            <a:br>
+              <a:rPr lang="en-US" altLang="ko-KR" dirty="0"/>
+            </a:br>
+            <a:r>
+              <a:rPr lang="en-US" altLang="ko-KR" dirty="0" smtClean="0"/>
+              <a:t>channel</a:t>
+            </a:r>
+            <a:r>
+              <a:rPr lang="ko-KR" altLang="en-US" dirty="0"/>
+              <a:t> </a:t>
+            </a:r>
+            <a:r>
+              <a:rPr lang="ko-KR" altLang="en-US" dirty="0" smtClean="0"/>
+              <a:t>수가 같음</a:t>
+            </a:r>
+            <a:endParaRPr lang="en-US" altLang="ko-KR" dirty="0" smtClean="0"/>
+          </a:p>
+          <a:p>
+            <a:pPr lvl="2">
+              <a:buSzPct val="100000"/>
+            </a:pPr>
+            <a:r>
+              <a:rPr lang="ko-KR" altLang="en-US" dirty="0" smtClean="0"/>
+              <a:t>그 후</a:t>
+            </a:r>
+            <a:r>
+              <a:rPr lang="en-US" altLang="ko-KR" dirty="0" smtClean="0"/>
+              <a:t>, </a:t>
+            </a:r>
+            <a:r>
+              <a:rPr lang="ko-KR" altLang="en-US" dirty="0" smtClean="0"/>
+              <a:t>모든 </a:t>
+            </a:r>
+            <a:r>
+              <a:rPr lang="en-US" altLang="ko-KR" dirty="0" smtClean="0"/>
+              <a:t>channel</a:t>
+            </a:r>
+            <a:r>
+              <a:rPr lang="ko-KR" altLang="en-US" dirty="0" smtClean="0"/>
+              <a:t>에 대해서 </a:t>
+            </a:r>
+            <a:r>
+              <a:rPr lang="en-US" altLang="ko-KR" dirty="0" smtClean="0"/>
+              <a:t>1x1 convolution</a:t>
+            </a:r>
+            <a:r>
+              <a:rPr lang="ko-KR" altLang="en-US" dirty="0" smtClean="0"/>
+              <a:t>하여 </a:t>
+            </a:r>
+            <a:r>
+              <a:rPr lang="en-US" altLang="ko-KR" dirty="0" smtClean="0"/>
+              <a:t/>
+            </a:r>
+            <a:br>
+              <a:rPr lang="en-US" altLang="ko-KR" dirty="0" smtClean="0"/>
+            </a:br>
+            <a:r>
+              <a:rPr lang="en-US" altLang="ko-KR" dirty="0" smtClean="0"/>
+              <a:t>channel</a:t>
+            </a:r>
+            <a:r>
+              <a:rPr lang="ko-KR" altLang="en-US" dirty="0" smtClean="0"/>
+              <a:t>의 수를 조절</a:t>
+            </a:r>
+            <a:r>
+              <a:rPr lang="en-US" altLang="ko-KR" dirty="0" smtClean="0"/>
+              <a:t>(Point-wise convolution)</a:t>
+            </a:r>
+          </a:p>
+          <a:p>
+            <a:pPr lvl="2">
+              <a:buSzPct val="100000"/>
+            </a:pPr>
+            <a:r>
+              <a:rPr lang="en-US" altLang="ko-KR" dirty="0" smtClean="0"/>
+              <a:t>Depth-wise separable convolution = </a:t>
+            </a:r>
+            <a:br>
+              <a:rPr lang="en-US" altLang="ko-KR" dirty="0" smtClean="0"/>
+            </a:br>
+            <a:r>
+              <a:rPr lang="en-US" altLang="ko-KR" dirty="0" smtClean="0"/>
+              <a:t>depth-wise conv + point-wise conv</a:t>
+            </a:r>
+          </a:p>
+          <a:p>
+            <a:pPr lvl="2">
+              <a:buSzPct val="100000"/>
+            </a:pPr>
+            <a:r>
+              <a:rPr lang="en-US" altLang="ko-KR" dirty="0" smtClean="0"/>
+              <a:t>Channel</a:t>
+            </a:r>
+            <a:r>
+              <a:rPr lang="ko-KR" altLang="en-US" dirty="0" smtClean="0"/>
+              <a:t>의 병렬처리로 인하여 일반적 </a:t>
+            </a:r>
+            <a:r>
+              <a:rPr lang="en-US" altLang="ko-KR" dirty="0" smtClean="0"/>
+              <a:t>CNN</a:t>
+            </a:r>
+            <a:r>
+              <a:rPr lang="ko-KR" altLang="en-US" dirty="0" smtClean="0"/>
+              <a:t>보다 </a:t>
+            </a:r>
+            <a:r>
+              <a:rPr lang="en-US" altLang="ko-KR" dirty="0" smtClean="0"/>
+              <a:t/>
+            </a:r>
+            <a:br>
+              <a:rPr lang="en-US" altLang="ko-KR" dirty="0" smtClean="0"/>
+            </a:br>
+            <a:r>
+              <a:rPr lang="ko-KR" altLang="en-US" dirty="0" smtClean="0"/>
+              <a:t>계산량이 적음</a:t>
+            </a:r>
+            <a:endParaRPr lang="en-US" altLang="ko-KR" dirty="0" smtClean="0"/>
+          </a:p>
+          <a:p>
+            <a:pPr lvl="2">
+              <a:buSzPct val="100000"/>
+            </a:pPr>
+            <a:endParaRPr lang="en-US" altLang="ko-KR" dirty="0" smtClean="0"/>
+          </a:p>
+          <a:p>
+            <a:pPr lvl="2">
+              <a:buSzPct val="100000"/>
+            </a:pPr>
+            <a:endParaRPr lang="en-US" altLang="ko-KR" dirty="0" smtClean="0"/>
+          </a:p>
+          <a:p>
+            <a:pPr lvl="1">
+              <a:buSzPct val="100000"/>
+            </a:pPr>
+            <a:endParaRPr lang="en-US" altLang="ko-KR" dirty="0" smtClean="0"/>
+          </a:p>
+          <a:p>
+            <a:pPr lvl="1">
+              <a:buSzPct val="100000"/>
+            </a:pPr>
+            <a:endParaRPr lang="en-US" altLang="ko-KR" dirty="0" smtClean="0"/>
+          </a:p>
+          <a:p>
+            <a:pPr lvl="2">
+              <a:buSzPct val="100000"/>
+            </a:pPr>
+            <a:endParaRPr lang="en-US" altLang="ko-KR" dirty="0" smtClean="0"/>
+          </a:p>
+          <a:p>
+            <a:pPr lvl="2">
+              <a:buSzPct val="100000"/>
+            </a:pPr>
+            <a:endParaRPr lang="ko-KR" altLang="en-US" dirty="0"/>
+          </a:p>
+        </p:txBody>
+      </p:sp>
+      <p:sp>
+        <p:nvSpPr>
+          <p:cNvPr id="3" name="텍스트 개체 틀 2"/>
+          <p:cNvSpPr>
+            <a:spLocks noGrp="1"/>
+          </p:cNvSpPr>
+          <p:nvPr>
+            <p:ph type="body" sz="quarter" idx="12"/>
+          </p:nvPr>
+        </p:nvSpPr>
+        <p:spPr/>
+        <p:txBody>
+          <a:bodyPr/>
+          <a:lstStyle/>
+          <a:p>
+            <a:r>
+              <a:rPr lang="en-US" altLang="ko-KR" dirty="0" smtClean="0"/>
+              <a:t>Contributions(</a:t>
+            </a:r>
+            <a:r>
+              <a:rPr lang="en-US" altLang="ko-KR" dirty="0"/>
+              <a:t>I</a:t>
+            </a:r>
+            <a:r>
+              <a:rPr lang="en-US" altLang="ko-KR" dirty="0" smtClean="0"/>
+              <a:t>V</a:t>
+            </a:r>
+            <a:r>
+              <a:rPr lang="en-US" altLang="ko-KR" dirty="0" smtClean="0"/>
+              <a:t>)</a:t>
+            </a:r>
+            <a:endParaRPr lang="ko-KR" altLang="en-US" dirty="0"/>
+          </a:p>
+        </p:txBody>
+      </p:sp>
       <p:grpSp>
         <p:nvGrpSpPr>
           <p:cNvPr id="5" name="그룹 4"/>
@@ -11082,15 +11779,15 @@
         </p:nvGrpSpPr>
         <p:grpSpPr>
           <a:xfrm>
-            <a:off x="5684272" y="632189"/>
-            <a:ext cx="3456384" cy="2652795"/>
-            <a:chOff x="5684272" y="632189"/>
-            <a:chExt cx="3456384" cy="2652795"/>
+            <a:off x="6348983" y="620688"/>
+            <a:ext cx="2327473" cy="2376264"/>
+            <a:chOff x="6276975" y="1328936"/>
+            <a:chExt cx="2867025" cy="3740546"/>
           </a:xfrm>
         </p:grpSpPr>
         <p:pic>
           <p:nvPicPr>
-            <p:cNvPr id="3074" name="Picture 2"/>
+            <p:cNvPr id="1026" name="Picture 2"/>
             <p:cNvPicPr>
               <a:picLocks noChangeAspect="1" noChangeArrowheads="1"/>
             </p:cNvPicPr>
@@ -11099,27 +11796,18 @@
           <p:blipFill rotWithShape="1">
             <a:blip r:embed="rId2">
               <a:extLst>
-                <a:ext uri="{BEBA8EAE-BF5A-486C-A8C5-ECC9F3942E4B}">
-                  <a14:imgProps xmlns:a14="http://schemas.microsoft.com/office/drawing/2010/main">
-                    <a14:imgLayer r:embed="rId3">
-                      <a14:imgEffect>
-                        <a14:sharpenSoften amount="50000"/>
-                      </a14:imgEffect>
-                    </a14:imgLayer>
-                  </a14:imgProps>
-                </a:ext>
                 <a:ext uri="{28A0092B-C50C-407E-A947-70E740481C1C}">
                   <a14:useLocalDpi xmlns:a14="http://schemas.microsoft.com/office/drawing/2010/main" val="0"/>
                 </a:ext>
               </a:extLst>
             </a:blip>
-            <a:srcRect b="6425"/>
+            <a:srcRect t="5437"/>
             <a:stretch/>
           </p:blipFill>
           <p:spPr bwMode="auto">
             <a:xfrm>
-              <a:off x="5684272" y="632189"/>
-              <a:ext cx="3456384" cy="2652795"/>
+              <a:off x="6276975" y="1328936"/>
+              <a:ext cx="2867025" cy="3548802"/>
             </a:xfrm>
             <a:prstGeom prst="rect">
               <a:avLst/>
@@ -11157,18 +11845,119 @@
           </p:nvSpPr>
           <p:spPr>
             <a:xfrm>
-              <a:off x="7224568" y="2942926"/>
-              <a:ext cx="720080" cy="307777"/>
+              <a:off x="6774383" y="4730928"/>
+              <a:ext cx="1872208" cy="338554"/>
+            </a:xfrm>
+            <a:prstGeom prst="rect">
+              <a:avLst/>
+            </a:prstGeom>
+            <a:noFill/>
+          </p:spPr>
+          <p:txBody>
+            <a:bodyPr wrap="square" rtlCol="0">
+              <a:spAutoFit/>
+            </a:bodyPr>
+            <a:lstStyle/>
+            <a:p>
+              <a:pPr algn="ctr"/>
+              <a:r>
+                <a:rPr lang="en-US" altLang="ko-KR" sz="1600" dirty="0" smtClean="0">
+                  <a:latin typeface="Arial" panose="020B0604020202020204" pitchFamily="34" charset="0"/>
+                  <a:cs typeface="Arial" panose="020B0604020202020204" pitchFamily="34" charset="0"/>
+                </a:rPr>
+                <a:t>Residual block</a:t>
+              </a:r>
+              <a:endParaRPr lang="ko-KR" altLang="en-US" sz="1600" dirty="0" smtClean="0">
+                <a:latin typeface="Arial" panose="020B0604020202020204" pitchFamily="34" charset="0"/>
+                <a:cs typeface="Arial" panose="020B0604020202020204" pitchFamily="34" charset="0"/>
+              </a:endParaRPr>
+            </a:p>
+          </p:txBody>
+        </p:sp>
+      </p:grpSp>
+      <p:grpSp>
+        <p:nvGrpSpPr>
+          <p:cNvPr id="7" name="그룹 6"/>
+          <p:cNvGrpSpPr/>
+          <p:nvPr/>
+        </p:nvGrpSpPr>
+        <p:grpSpPr>
+          <a:xfrm>
+            <a:off x="6036555" y="3356992"/>
+            <a:ext cx="2952328" cy="2828057"/>
+            <a:chOff x="6036555" y="3356992"/>
+            <a:chExt cx="2952328" cy="2828057"/>
+          </a:xfrm>
+        </p:grpSpPr>
+        <p:pic>
+          <p:nvPicPr>
+            <p:cNvPr id="1027" name="Picture 3"/>
+            <p:cNvPicPr>
+              <a:picLocks noChangeAspect="1" noChangeArrowheads="1"/>
+            </p:cNvPicPr>
+            <p:nvPr/>
+          </p:nvPicPr>
+          <p:blipFill>
+            <a:blip r:embed="rId3">
+              <a:extLst>
+                <a:ext uri="{28A0092B-C50C-407E-A947-70E740481C1C}">
+                  <a14:useLocalDpi xmlns:a14="http://schemas.microsoft.com/office/drawing/2010/main" val="0"/>
+                </a:ext>
+              </a:extLst>
+            </a:blip>
+            <a:srcRect/>
+            <a:stretch>
+              <a:fillRect/>
+            </a:stretch>
+          </p:blipFill>
+          <p:spPr bwMode="auto">
+            <a:xfrm>
+              <a:off x="6036555" y="3356992"/>
+              <a:ext cx="2952328" cy="2618801"/>
             </a:xfrm>
             <a:prstGeom prst="rect">
               <a:avLst/>
             </a:prstGeom>
             <a:noFill/>
             <a:ln>
-              <a:solidFill>
-                <a:schemeClr val="tx1"/>
-              </a:solidFill>
+              <a:noFill/>
             </a:ln>
+            <a:extLst>
+              <a:ext uri="{909E8E84-426E-40DD-AFC4-6F175D3DCCD1}">
+                <a14:hiddenFill xmlns:a14="http://schemas.microsoft.com/office/drawing/2010/main">
+                  <a:solidFill>
+                    <a:schemeClr val="accent1"/>
+                  </a:solidFill>
+                </a14:hiddenFill>
+              </a:ext>
+              <a:ext uri="{91240B29-F687-4F45-9708-019B960494DF}">
+                <a14:hiddenLine xmlns:a14="http://schemas.microsoft.com/office/drawing/2010/main" w="9525">
+                  <a:solidFill>
+                    <a:schemeClr val="tx1"/>
+                  </a:solidFill>
+                  <a:miter lim="800000"/>
+                  <a:headEnd/>
+                  <a:tailEnd/>
+                </a14:hiddenLine>
+              </a:ext>
+            </a:extLst>
+          </p:spPr>
+        </p:pic>
+        <p:sp>
+          <p:nvSpPr>
+            <p:cNvPr id="6" name="TextBox 5"/>
+            <p:cNvSpPr txBox="1"/>
+            <p:nvPr/>
+          </p:nvSpPr>
+          <p:spPr>
+            <a:xfrm>
+              <a:off x="6180571" y="5877272"/>
+              <a:ext cx="2808312" cy="307777"/>
+            </a:xfrm>
+            <a:prstGeom prst="rect">
+              <a:avLst/>
+            </a:prstGeom>
+            <a:noFill/>
           </p:spPr>
           <p:txBody>
             <a:bodyPr wrap="square" rtlCol="0">
@@ -11179,1045 +11968,23 @@
               <a:pPr algn="ctr"/>
               <a:r>
                 <a:rPr lang="en-US" altLang="ko-KR" sz="1400" dirty="0" smtClean="0">
-                  <a:latin typeface="Arial Unicode MS" panose="020B0604020202020204" pitchFamily="50" charset="-127"/>
-                  <a:ea typeface="Arial Unicode MS" panose="020B0604020202020204" pitchFamily="50" charset="-127"/>
-                  <a:cs typeface="Arial Unicode MS" panose="020B0604020202020204" pitchFamily="50" charset="-127"/>
+                  <a:latin typeface="Arial" panose="020B0604020202020204" pitchFamily="34" charset="0"/>
+                  <a:cs typeface="Arial" panose="020B0604020202020204" pitchFamily="34" charset="0"/>
                 </a:rPr>
-                <a:t>CFF</a:t>
+                <a:t>Depth-wise convolution</a:t>
               </a:r>
-              <a:endParaRPr lang="ko-KR" altLang="en-US" sz="1200" dirty="0" smtClean="0">
-                <a:latin typeface="Arial Unicode MS" panose="020B0604020202020204" pitchFamily="50" charset="-127"/>
-                <a:ea typeface="Arial Unicode MS" panose="020B0604020202020204" pitchFamily="50" charset="-127"/>
-                <a:cs typeface="Arial Unicode MS" panose="020B0604020202020204" pitchFamily="50" charset="-127"/>
+              <a:endParaRPr lang="ko-KR" altLang="en-US" sz="1400" dirty="0" smtClean="0">
+                <a:latin typeface="Arial" panose="020B0604020202020204" pitchFamily="34" charset="0"/>
+                <a:cs typeface="Arial" panose="020B0604020202020204" pitchFamily="34" charset="0"/>
               </a:endParaRPr>
             </a:p>
           </p:txBody>
         </p:sp>
       </p:grpSp>
-      <mc:AlternateContent xmlns:mc="http://schemas.openxmlformats.org/markup-compatibility/2006" xmlns:a14="http://schemas.microsoft.com/office/drawing/2010/main">
-        <mc:Choice Requires="a14">
-          <p:sp>
-            <p:nvSpPr>
-              <p:cNvPr id="2" name="내용 개체 틀 1"/>
-              <p:cNvSpPr>
-                <a:spLocks noGrp="1"/>
-              </p:cNvSpPr>
-              <p:nvPr>
-                <p:ph sz="half" idx="10"/>
-              </p:nvPr>
-            </p:nvSpPr>
-            <p:spPr/>
-            <p:txBody>
-              <a:bodyPr/>
-              <a:lstStyle/>
-              <a:p>
-                <a:pPr>
-                  <a:buSzPct val="100000"/>
-                </a:pPr>
-                <a:r>
-                  <a:rPr lang="en-US" altLang="ko-KR" dirty="0" smtClean="0"/>
-                  <a:t>Cascade Feature Fusion(CFF)</a:t>
-                </a:r>
-              </a:p>
-              <a:p>
-                <a:pPr lvl="1">
-                  <a:buSzPct val="100000"/>
-                </a:pPr>
-                <a:r>
-                  <a:rPr lang="en-US" altLang="ko-KR" dirty="0" smtClean="0"/>
-                  <a:t>Size</a:t>
-                </a:r>
-              </a:p>
-              <a:p>
-                <a:pPr lvl="2">
-                  <a:buSzPct val="100000"/>
-                </a:pPr>
-                <a:r>
-                  <a:rPr lang="en-US" altLang="ko-KR" dirty="0" smtClean="0"/>
-                  <a:t>Feature map F1</a:t>
-                </a:r>
-                <a:r>
-                  <a:rPr lang="ko-KR" altLang="en-US" dirty="0" smtClean="0"/>
-                  <a:t>은 </a:t>
-                </a:r>
-                <a14:m>
-                  <m:oMath xmlns:m="http://schemas.openxmlformats.org/officeDocument/2006/math">
-                    <m:sSub>
-                      <m:sSubPr>
-                        <m:ctrlPr>
-                          <a:rPr lang="en-US" altLang="ko-KR" b="0" i="1" smtClean="0">
-                            <a:latin typeface="Cambria Math"/>
-                          </a:rPr>
-                        </m:ctrlPr>
-                      </m:sSubPr>
-                      <m:e>
-                        <m:r>
-                          <a:rPr lang="en-US" altLang="ko-KR" b="0" i="1" smtClean="0">
-                            <a:latin typeface="Cambria Math"/>
-                          </a:rPr>
-                          <m:t>𝐶</m:t>
-                        </m:r>
-                      </m:e>
-                      <m:sub>
-                        <m:r>
-                          <a:rPr lang="en-US" altLang="ko-KR" b="0" i="1" smtClean="0">
-                            <a:latin typeface="Cambria Math"/>
-                          </a:rPr>
-                          <m:t>1</m:t>
-                        </m:r>
-                      </m:sub>
-                    </m:sSub>
-                    <m:r>
-                      <a:rPr lang="en-US" altLang="ko-KR" b="0" i="1" smtClean="0">
-                        <a:latin typeface="Cambria Math"/>
-                        <a:ea typeface="Cambria Math"/>
-                      </a:rPr>
-                      <m:t>×</m:t>
-                    </m:r>
-                    <m:sSub>
-                      <m:sSubPr>
-                        <m:ctrlPr>
-                          <a:rPr lang="en-US" altLang="ko-KR" b="0" i="1" smtClean="0">
-                            <a:latin typeface="Cambria Math"/>
-                            <a:ea typeface="Cambria Math"/>
-                          </a:rPr>
-                        </m:ctrlPr>
-                      </m:sSubPr>
-                      <m:e>
-                        <m:r>
-                          <a:rPr lang="en-US" altLang="ko-KR" b="0" i="1" smtClean="0">
-                            <a:latin typeface="Cambria Math"/>
-                            <a:ea typeface="Cambria Math"/>
-                          </a:rPr>
-                          <m:t>𝐻</m:t>
-                        </m:r>
-                      </m:e>
-                      <m:sub>
-                        <m:r>
-                          <a:rPr lang="en-US" altLang="ko-KR" b="0" i="1" smtClean="0">
-                            <a:latin typeface="Cambria Math"/>
-                            <a:ea typeface="Cambria Math"/>
-                          </a:rPr>
-                          <m:t>1</m:t>
-                        </m:r>
-                      </m:sub>
-                    </m:sSub>
-                    <m:r>
-                      <a:rPr lang="en-US" altLang="ko-KR" b="0" i="1" smtClean="0">
-                        <a:latin typeface="Cambria Math"/>
-                        <a:ea typeface="Cambria Math"/>
-                      </a:rPr>
-                      <m:t>×</m:t>
-                    </m:r>
-                    <m:sSub>
-                      <m:sSubPr>
-                        <m:ctrlPr>
-                          <a:rPr lang="en-US" altLang="ko-KR" b="0" i="1" smtClean="0">
-                            <a:latin typeface="Cambria Math"/>
-                            <a:ea typeface="Cambria Math"/>
-                          </a:rPr>
-                        </m:ctrlPr>
-                      </m:sSubPr>
-                      <m:e>
-                        <m:r>
-                          <a:rPr lang="en-US" altLang="ko-KR" b="0" i="1" smtClean="0">
-                            <a:latin typeface="Cambria Math"/>
-                            <a:ea typeface="Cambria Math"/>
-                          </a:rPr>
-                          <m:t>𝑊</m:t>
-                        </m:r>
-                      </m:e>
-                      <m:sub>
-                        <m:r>
-                          <a:rPr lang="en-US" altLang="ko-KR" b="0" i="1" smtClean="0">
-                            <a:latin typeface="Cambria Math"/>
-                            <a:ea typeface="Cambria Math"/>
-                          </a:rPr>
-                          <m:t>1</m:t>
-                        </m:r>
-                      </m:sub>
-                    </m:sSub>
-                  </m:oMath>
-                </a14:m>
-                <a:r>
-                  <a:rPr lang="ko-KR" altLang="en-US" dirty="0" smtClean="0"/>
-                  <a:t>의 크기</a:t>
-                </a:r>
-                <a:endParaRPr lang="en-US" altLang="ko-KR" dirty="0"/>
-              </a:p>
-              <a:p>
-                <a:pPr lvl="2">
-                  <a:buSzPct val="100000"/>
-                </a:pPr>
-                <a:r>
-                  <a:rPr lang="en-US" altLang="ko-KR" dirty="0" smtClean="0"/>
-                  <a:t>Feature map F2</a:t>
-                </a:r>
-                <a:r>
-                  <a:rPr lang="ko-KR" altLang="en-US" dirty="0" smtClean="0"/>
-                  <a:t>은 </a:t>
-                </a:r>
-                <a14:m>
-                  <m:oMath xmlns:m="http://schemas.openxmlformats.org/officeDocument/2006/math">
-                    <m:sSub>
-                      <m:sSubPr>
-                        <m:ctrlPr>
-                          <a:rPr lang="en-US" altLang="ko-KR" i="1">
-                            <a:latin typeface="Cambria Math"/>
-                          </a:rPr>
-                        </m:ctrlPr>
-                      </m:sSubPr>
-                      <m:e>
-                        <m:r>
-                          <a:rPr lang="en-US" altLang="ko-KR" i="1">
-                            <a:latin typeface="Cambria Math"/>
-                          </a:rPr>
-                          <m:t>𝐶</m:t>
-                        </m:r>
-                      </m:e>
-                      <m:sub>
-                        <m:r>
-                          <a:rPr lang="en-US" altLang="ko-KR" b="0" i="1" smtClean="0">
-                            <a:latin typeface="Cambria Math"/>
-                          </a:rPr>
-                          <m:t>2</m:t>
-                        </m:r>
-                      </m:sub>
-                    </m:sSub>
-                    <m:r>
-                      <a:rPr lang="en-US" altLang="ko-KR" i="1">
-                        <a:latin typeface="Cambria Math"/>
-                        <a:ea typeface="Cambria Math"/>
-                      </a:rPr>
-                      <m:t>×</m:t>
-                    </m:r>
-                    <m:sSub>
-                      <m:sSubPr>
-                        <m:ctrlPr>
-                          <a:rPr lang="en-US" altLang="ko-KR" i="1" smtClean="0">
-                            <a:latin typeface="Cambria Math"/>
-                            <a:ea typeface="Cambria Math"/>
-                          </a:rPr>
-                        </m:ctrlPr>
-                      </m:sSubPr>
-                      <m:e>
-                        <m:r>
-                          <a:rPr lang="en-US" altLang="ko-KR" i="1">
-                            <a:latin typeface="Cambria Math"/>
-                            <a:ea typeface="Cambria Math"/>
-                          </a:rPr>
-                          <m:t>𝐻</m:t>
-                        </m:r>
-                      </m:e>
-                      <m:sub>
-                        <m:r>
-                          <a:rPr lang="en-US" altLang="ko-KR" b="0" i="1" smtClean="0">
-                            <a:latin typeface="Cambria Math"/>
-                            <a:ea typeface="Cambria Math"/>
-                          </a:rPr>
-                          <m:t>2</m:t>
-                        </m:r>
-                      </m:sub>
-                    </m:sSub>
-                    <m:r>
-                      <a:rPr lang="en-US" altLang="ko-KR" i="1">
-                        <a:latin typeface="Cambria Math"/>
-                        <a:ea typeface="Cambria Math"/>
-                      </a:rPr>
-                      <m:t>×</m:t>
-                    </m:r>
-                    <m:sSub>
-                      <m:sSubPr>
-                        <m:ctrlPr>
-                          <a:rPr lang="en-US" altLang="ko-KR" i="1">
-                            <a:latin typeface="Cambria Math"/>
-                            <a:ea typeface="Cambria Math"/>
-                          </a:rPr>
-                        </m:ctrlPr>
-                      </m:sSubPr>
-                      <m:e>
-                        <m:r>
-                          <a:rPr lang="en-US" altLang="ko-KR" i="1">
-                            <a:latin typeface="Cambria Math"/>
-                            <a:ea typeface="Cambria Math"/>
-                          </a:rPr>
-                          <m:t>𝑊</m:t>
-                        </m:r>
-                      </m:e>
-                      <m:sub>
-                        <m:r>
-                          <a:rPr lang="en-US" altLang="ko-KR" b="0" i="1" smtClean="0">
-                            <a:latin typeface="Cambria Math"/>
-                            <a:ea typeface="Cambria Math"/>
-                          </a:rPr>
-                          <m:t>2</m:t>
-                        </m:r>
-                      </m:sub>
-                    </m:sSub>
-                  </m:oMath>
-                </a14:m>
-                <a:r>
-                  <a:rPr lang="ko-KR" altLang="en-US" dirty="0" smtClean="0"/>
-                  <a:t>의 크기이며 </a:t>
-                </a:r>
-                <a:r>
-                  <a:rPr lang="en-US" altLang="ko-KR" dirty="0" smtClean="0"/>
-                  <a:t>F1</a:t>
-                </a:r>
-                <a:r>
-                  <a:rPr lang="ko-KR" altLang="en-US" dirty="0" smtClean="0"/>
-                  <a:t>의</a:t>
-                </a:r>
-                <a:r>
-                  <a:rPr lang="en-US" altLang="ko-KR" dirty="0" smtClean="0"/>
-                  <a:t/>
-                </a:r>
-                <a:br>
-                  <a:rPr lang="en-US" altLang="ko-KR" dirty="0" smtClean="0"/>
-                </a:br>
-                <a:r>
-                  <a:rPr lang="en-US" altLang="ko-KR" dirty="0" smtClean="0"/>
-                  <a:t>2</a:t>
-                </a:r>
-                <a:r>
-                  <a:rPr lang="ko-KR" altLang="en-US" dirty="0" smtClean="0"/>
-                  <a:t>배 크기</a:t>
-                </a:r>
-                <a:r>
-                  <a:rPr lang="en-US" altLang="ko-KR" dirty="0" smtClean="0"/>
-                  <a:t>(</a:t>
-                </a:r>
-                <a14:m>
-                  <m:oMath xmlns:m="http://schemas.openxmlformats.org/officeDocument/2006/math">
-                    <m:sSub>
-                      <m:sSubPr>
-                        <m:ctrlPr>
-                          <a:rPr lang="en-US" altLang="ko-KR" i="1" smtClean="0">
-                            <a:latin typeface="Cambria Math"/>
-                          </a:rPr>
-                        </m:ctrlPr>
-                      </m:sSubPr>
-                      <m:e>
-                        <m:r>
-                          <a:rPr lang="en-US" altLang="ko-KR" b="0" i="1" smtClean="0">
-                            <a:latin typeface="Cambria Math"/>
-                          </a:rPr>
-                          <m:t>𝐻</m:t>
-                        </m:r>
-                      </m:e>
-                      <m:sub>
-                        <m:r>
-                          <a:rPr lang="en-US" altLang="ko-KR" b="0" i="1" smtClean="0">
-                            <a:latin typeface="Cambria Math"/>
-                          </a:rPr>
-                          <m:t>2</m:t>
-                        </m:r>
-                      </m:sub>
-                    </m:sSub>
-                    <m:r>
-                      <a:rPr lang="en-US" altLang="ko-KR" i="1" smtClean="0">
-                        <a:latin typeface="Cambria Math"/>
-                        <a:ea typeface="Cambria Math"/>
-                      </a:rPr>
-                      <m:t>=</m:t>
-                    </m:r>
-                    <m:r>
-                      <a:rPr lang="en-US" altLang="ko-KR" b="0" i="1" smtClean="0">
-                        <a:latin typeface="Cambria Math"/>
-                        <a:ea typeface="Cambria Math"/>
-                      </a:rPr>
-                      <m:t>2×</m:t>
-                    </m:r>
-                    <m:sSub>
-                      <m:sSubPr>
-                        <m:ctrlPr>
-                          <a:rPr lang="en-US" altLang="ko-KR" b="0" i="1" smtClean="0">
-                            <a:latin typeface="Cambria Math"/>
-                            <a:ea typeface="Cambria Math"/>
-                          </a:rPr>
-                        </m:ctrlPr>
-                      </m:sSubPr>
-                      <m:e>
-                        <m:r>
-                          <a:rPr lang="en-US" altLang="ko-KR" b="0" i="1" smtClean="0">
-                            <a:latin typeface="Cambria Math"/>
-                            <a:ea typeface="Cambria Math"/>
-                          </a:rPr>
-                          <m:t>𝐻</m:t>
-                        </m:r>
-                      </m:e>
-                      <m:sub>
-                        <m:r>
-                          <a:rPr lang="en-US" altLang="ko-KR" b="0" i="1" smtClean="0">
-                            <a:latin typeface="Cambria Math"/>
-                            <a:ea typeface="Cambria Math"/>
-                          </a:rPr>
-                          <m:t>1</m:t>
-                        </m:r>
-                      </m:sub>
-                    </m:sSub>
-                  </m:oMath>
-                </a14:m>
-                <a:r>
-                  <a:rPr lang="en-US" altLang="ko-KR" dirty="0" smtClean="0"/>
-                  <a:t>, </a:t>
-                </a:r>
-                <a14:m>
-                  <m:oMath xmlns:m="http://schemas.openxmlformats.org/officeDocument/2006/math">
-                    <m:sSub>
-                      <m:sSubPr>
-                        <m:ctrlPr>
-                          <a:rPr lang="en-US" altLang="ko-KR" i="1">
-                            <a:latin typeface="Cambria Math"/>
-                          </a:rPr>
-                        </m:ctrlPr>
-                      </m:sSubPr>
-                      <m:e>
-                        <m:r>
-                          <a:rPr lang="en-US" altLang="ko-KR" b="0" i="1" smtClean="0">
-                            <a:latin typeface="Cambria Math"/>
-                          </a:rPr>
-                          <m:t>𝑊</m:t>
-                        </m:r>
-                      </m:e>
-                      <m:sub>
-                        <m:r>
-                          <a:rPr lang="en-US" altLang="ko-KR" i="1">
-                            <a:latin typeface="Cambria Math"/>
-                          </a:rPr>
-                          <m:t>2</m:t>
-                        </m:r>
-                      </m:sub>
-                    </m:sSub>
-                    <m:r>
-                      <a:rPr lang="en-US" altLang="ko-KR" i="1">
-                        <a:latin typeface="Cambria Math"/>
-                        <a:ea typeface="Cambria Math"/>
-                      </a:rPr>
-                      <m:t>=2×</m:t>
-                    </m:r>
-                    <m:sSub>
-                      <m:sSubPr>
-                        <m:ctrlPr>
-                          <a:rPr lang="en-US" altLang="ko-KR" i="1">
-                            <a:latin typeface="Cambria Math"/>
-                            <a:ea typeface="Cambria Math"/>
-                          </a:rPr>
-                        </m:ctrlPr>
-                      </m:sSubPr>
-                      <m:e>
-                        <m:r>
-                          <a:rPr lang="en-US" altLang="ko-KR" b="0" i="1" smtClean="0">
-                            <a:latin typeface="Cambria Math"/>
-                            <a:ea typeface="Cambria Math"/>
-                          </a:rPr>
-                          <m:t>𝑊</m:t>
-                        </m:r>
-                      </m:e>
-                      <m:sub>
-                        <m:r>
-                          <a:rPr lang="en-US" altLang="ko-KR" i="1">
-                            <a:latin typeface="Cambria Math"/>
-                            <a:ea typeface="Cambria Math"/>
-                          </a:rPr>
-                          <m:t>1</m:t>
-                        </m:r>
-                      </m:sub>
-                    </m:sSub>
-                    <m:r>
-                      <a:rPr lang="en-US" altLang="ko-KR" b="0" i="1" smtClean="0">
-                        <a:latin typeface="Cambria Math"/>
-                        <a:ea typeface="Cambria Math"/>
-                      </a:rPr>
-                      <m:t>)</m:t>
-                    </m:r>
-                  </m:oMath>
-                </a14:m>
-                <a:endParaRPr lang="en-US" altLang="ko-KR" dirty="0" smtClean="0"/>
-              </a:p>
-              <a:p>
-                <a:pPr lvl="2">
-                  <a:buSzPct val="100000"/>
-                </a:pPr>
-                <a:r>
-                  <a:rPr lang="en-US" altLang="ko-KR" dirty="0" smtClean="0"/>
-                  <a:t>Ground Truth Label</a:t>
-                </a:r>
-                <a:r>
-                  <a:rPr lang="ko-KR" altLang="en-US" dirty="0" smtClean="0"/>
-                  <a:t>은 </a:t>
-                </a:r>
-                <a:r>
-                  <a:rPr lang="en-US" altLang="ko-KR" dirty="0" smtClean="0"/>
-                  <a:t>1 </a:t>
-                </a:r>
-                <a14:m>
-                  <m:oMath xmlns:m="http://schemas.openxmlformats.org/officeDocument/2006/math">
-                    <m:r>
-                      <a:rPr lang="en-US" altLang="ko-KR" i="1">
-                        <a:latin typeface="Cambria Math"/>
-                        <a:ea typeface="Cambria Math"/>
-                      </a:rPr>
-                      <m:t>×</m:t>
-                    </m:r>
-                    <m:sSub>
-                      <m:sSubPr>
-                        <m:ctrlPr>
-                          <a:rPr lang="en-US" altLang="ko-KR" i="1">
-                            <a:latin typeface="Cambria Math"/>
-                            <a:ea typeface="Cambria Math"/>
-                          </a:rPr>
-                        </m:ctrlPr>
-                      </m:sSubPr>
-                      <m:e>
-                        <m:r>
-                          <a:rPr lang="en-US" altLang="ko-KR" i="1">
-                            <a:latin typeface="Cambria Math"/>
-                            <a:ea typeface="Cambria Math"/>
-                          </a:rPr>
-                          <m:t>𝐻</m:t>
-                        </m:r>
-                      </m:e>
-                      <m:sub>
-                        <m:r>
-                          <a:rPr lang="en-US" altLang="ko-KR" i="1">
-                            <a:latin typeface="Cambria Math"/>
-                            <a:ea typeface="Cambria Math"/>
-                          </a:rPr>
-                          <m:t>2</m:t>
-                        </m:r>
-                      </m:sub>
-                    </m:sSub>
-                    <m:r>
-                      <a:rPr lang="en-US" altLang="ko-KR" i="1">
-                        <a:latin typeface="Cambria Math"/>
-                        <a:ea typeface="Cambria Math"/>
-                      </a:rPr>
-                      <m:t>×</m:t>
-                    </m:r>
-                    <m:sSub>
-                      <m:sSubPr>
-                        <m:ctrlPr>
-                          <a:rPr lang="en-US" altLang="ko-KR" i="1">
-                            <a:latin typeface="Cambria Math"/>
-                            <a:ea typeface="Cambria Math"/>
-                          </a:rPr>
-                        </m:ctrlPr>
-                      </m:sSubPr>
-                      <m:e>
-                        <m:r>
-                          <a:rPr lang="en-US" altLang="ko-KR" i="1">
-                            <a:latin typeface="Cambria Math"/>
-                            <a:ea typeface="Cambria Math"/>
-                          </a:rPr>
-                          <m:t>𝑊</m:t>
-                        </m:r>
-                      </m:e>
-                      <m:sub>
-                        <m:r>
-                          <a:rPr lang="en-US" altLang="ko-KR" i="1">
-                            <a:latin typeface="Cambria Math"/>
-                            <a:ea typeface="Cambria Math"/>
-                          </a:rPr>
-                          <m:t>2</m:t>
-                        </m:r>
-                      </m:sub>
-                    </m:sSub>
-                  </m:oMath>
-                </a14:m>
-                <a:r>
-                  <a:rPr lang="ko-KR" altLang="en-US" dirty="0" smtClean="0"/>
-                  <a:t>의 크기</a:t>
-                </a:r>
-                <a:endParaRPr lang="en-US" altLang="ko-KR" dirty="0" smtClean="0"/>
-              </a:p>
-              <a:p>
-                <a:pPr lvl="1">
-                  <a:buSzPct val="100000"/>
-                </a:pPr>
-                <a:r>
-                  <a:rPr lang="ko-KR" altLang="en-US" dirty="0" smtClean="0"/>
-                  <a:t>먼저 </a:t>
-                </a:r>
-                <a:r>
-                  <a:rPr lang="en-US" altLang="ko-KR" dirty="0" smtClean="0"/>
-                  <a:t>F1</a:t>
-                </a:r>
-                <a:r>
-                  <a:rPr lang="ko-KR" altLang="en-US" dirty="0" smtClean="0"/>
-                  <a:t>을 </a:t>
-                </a:r>
-                <a:r>
-                  <a:rPr lang="en-US" altLang="ko-KR" dirty="0" smtClean="0"/>
-                  <a:t>F2</a:t>
-                </a:r>
-                <a:r>
-                  <a:rPr lang="ko-KR" altLang="en-US" dirty="0" smtClean="0"/>
-                  <a:t>와 같은 크기로 </a:t>
-                </a:r>
-                <a:r>
-                  <a:rPr lang="en-US" altLang="ko-KR" dirty="0" smtClean="0"/>
-                  <a:t>2</a:t>
-                </a:r>
-                <a:r>
-                  <a:rPr lang="ko-KR" altLang="en-US" dirty="0" smtClean="0"/>
-                  <a:t>배 </a:t>
-                </a:r>
-                <a:r>
-                  <a:rPr lang="en-US" altLang="ko-KR" dirty="0" smtClean="0"/>
-                  <a:t>upsampling(bilinear interpolation)</a:t>
-                </a:r>
-                <a:endParaRPr lang="en-US" altLang="ko-KR" dirty="0"/>
-              </a:p>
-              <a:p>
-                <a:pPr lvl="1">
-                  <a:buSzPct val="100000"/>
-                </a:pPr>
-                <a:r>
-                  <a:rPr lang="en-US" altLang="ko-KR" dirty="0"/>
-                  <a:t>U</a:t>
-                </a:r>
-                <a:r>
-                  <a:rPr lang="en-US" altLang="ko-KR" dirty="0" smtClean="0"/>
-                  <a:t>psampled feature map</a:t>
-                </a:r>
-                <a:r>
-                  <a:rPr lang="ko-KR" altLang="en-US" dirty="0" smtClean="0"/>
-                  <a:t>을 </a:t>
-                </a:r>
-                <a14:m>
-                  <m:oMath xmlns:m="http://schemas.openxmlformats.org/officeDocument/2006/math">
-                    <m:sSub>
-                      <m:sSubPr>
-                        <m:ctrlPr>
-                          <a:rPr lang="en-US" altLang="ko-KR" i="1">
-                            <a:latin typeface="Cambria Math"/>
-                          </a:rPr>
-                        </m:ctrlPr>
-                      </m:sSubPr>
-                      <m:e>
-                        <m:r>
-                          <a:rPr lang="en-US" altLang="ko-KR" i="1">
-                            <a:latin typeface="Cambria Math"/>
-                          </a:rPr>
-                          <m:t>𝐶</m:t>
-                        </m:r>
-                      </m:e>
-                      <m:sub>
-                        <m:r>
-                          <a:rPr lang="en-US" altLang="ko-KR" b="0" i="1" smtClean="0">
-                            <a:latin typeface="Cambria Math"/>
-                          </a:rPr>
-                          <m:t>3</m:t>
-                        </m:r>
-                      </m:sub>
-                    </m:sSub>
-                    <m:r>
-                      <a:rPr lang="en-US" altLang="ko-KR" i="1">
-                        <a:latin typeface="Cambria Math"/>
-                        <a:ea typeface="Cambria Math"/>
-                      </a:rPr>
-                      <m:t>×</m:t>
-                    </m:r>
-                    <m:r>
-                      <a:rPr lang="en-US" altLang="ko-KR" b="0" i="1" smtClean="0">
-                        <a:latin typeface="Cambria Math"/>
-                        <a:ea typeface="Cambria Math"/>
-                      </a:rPr>
-                      <m:t>3</m:t>
-                    </m:r>
-                    <m:r>
-                      <a:rPr lang="en-US" altLang="ko-KR" i="1">
-                        <a:latin typeface="Cambria Math"/>
-                        <a:ea typeface="Cambria Math"/>
-                      </a:rPr>
-                      <m:t>×</m:t>
-                    </m:r>
-                    <m:r>
-                      <a:rPr lang="en-US" altLang="ko-KR" b="0" i="1" smtClean="0">
-                        <a:latin typeface="Cambria Math"/>
-                        <a:ea typeface="Cambria Math"/>
-                      </a:rPr>
-                      <m:t>3</m:t>
-                    </m:r>
-                  </m:oMath>
-                </a14:m>
-                <a:r>
-                  <a:rPr lang="ko-KR" altLang="en-US" dirty="0" smtClean="0"/>
-                  <a:t>의 </a:t>
-                </a:r>
-                <a:r>
-                  <a:rPr lang="en-US" altLang="ko-KR" dirty="0" smtClean="0"/>
-                  <a:t>kernel</a:t>
-                </a:r>
-                <a:r>
-                  <a:rPr lang="ko-KR" altLang="en-US" dirty="0" smtClean="0"/>
-                  <a:t>에 </a:t>
-                </a:r>
-                <a:r>
-                  <a:rPr lang="en-US" altLang="ko-KR" dirty="0" smtClean="0"/>
-                  <a:t>2 dilation</a:t>
-                </a:r>
-                <a:r>
-                  <a:rPr lang="ko-KR" altLang="en-US" dirty="0" smtClean="0"/>
-                  <a:t>으로</a:t>
-                </a:r>
-                <a:r>
-                  <a:rPr lang="en-US" altLang="ko-KR" dirty="0" smtClean="0"/>
-                  <a:t/>
-                </a:r>
-                <a:br>
-                  <a:rPr lang="en-US" altLang="ko-KR" dirty="0" smtClean="0"/>
-                </a:br>
-                <a:r>
-                  <a:rPr lang="ko-KR" altLang="en-US" dirty="0" smtClean="0"/>
-                  <a:t> </a:t>
-                </a:r>
-                <a:r>
-                  <a:rPr lang="en-US" altLang="ko-KR" dirty="0" smtClean="0"/>
-                  <a:t>dilated convolution</a:t>
-                </a:r>
-                <a:r>
-                  <a:rPr lang="ko-KR" altLang="en-US" dirty="0" smtClean="0"/>
-                  <a:t>하여 </a:t>
-                </a:r>
-                <a14:m>
-                  <m:oMath xmlns:m="http://schemas.openxmlformats.org/officeDocument/2006/math">
-                    <m:sSub>
-                      <m:sSubPr>
-                        <m:ctrlPr>
-                          <a:rPr lang="en-US" altLang="ko-KR" i="1">
-                            <a:latin typeface="Cambria Math"/>
-                          </a:rPr>
-                        </m:ctrlPr>
-                      </m:sSubPr>
-                      <m:e>
-                        <m:r>
-                          <a:rPr lang="en-US" altLang="ko-KR" i="1">
-                            <a:latin typeface="Cambria Math"/>
-                          </a:rPr>
-                          <m:t>𝐶</m:t>
-                        </m:r>
-                      </m:e>
-                      <m:sub>
-                        <m:r>
-                          <a:rPr lang="en-US" altLang="ko-KR" b="0" i="1" smtClean="0">
-                            <a:latin typeface="Cambria Math"/>
-                          </a:rPr>
-                          <m:t>3</m:t>
-                        </m:r>
-                      </m:sub>
-                    </m:sSub>
-                    <m:r>
-                      <a:rPr lang="en-US" altLang="ko-KR" i="1">
-                        <a:latin typeface="Cambria Math"/>
-                        <a:ea typeface="Cambria Math"/>
-                      </a:rPr>
-                      <m:t>×</m:t>
-                    </m:r>
-                    <m:sSub>
-                      <m:sSubPr>
-                        <m:ctrlPr>
-                          <a:rPr lang="en-US" altLang="ko-KR" i="1">
-                            <a:latin typeface="Cambria Math"/>
-                            <a:ea typeface="Cambria Math"/>
-                          </a:rPr>
-                        </m:ctrlPr>
-                      </m:sSubPr>
-                      <m:e>
-                        <m:r>
-                          <a:rPr lang="en-US" altLang="ko-KR" i="1">
-                            <a:latin typeface="Cambria Math"/>
-                            <a:ea typeface="Cambria Math"/>
-                          </a:rPr>
-                          <m:t>𝐻</m:t>
-                        </m:r>
-                      </m:e>
-                      <m:sub>
-                        <m:r>
-                          <a:rPr lang="en-US" altLang="ko-KR" i="1">
-                            <a:latin typeface="Cambria Math"/>
-                            <a:ea typeface="Cambria Math"/>
-                          </a:rPr>
-                          <m:t>2</m:t>
-                        </m:r>
-                      </m:sub>
-                    </m:sSub>
-                    <m:r>
-                      <a:rPr lang="en-US" altLang="ko-KR" i="1">
-                        <a:latin typeface="Cambria Math"/>
-                        <a:ea typeface="Cambria Math"/>
-                      </a:rPr>
-                      <m:t>×</m:t>
-                    </m:r>
-                    <m:sSub>
-                      <m:sSubPr>
-                        <m:ctrlPr>
-                          <a:rPr lang="en-US" altLang="ko-KR" i="1">
-                            <a:latin typeface="Cambria Math"/>
-                            <a:ea typeface="Cambria Math"/>
-                          </a:rPr>
-                        </m:ctrlPr>
-                      </m:sSubPr>
-                      <m:e>
-                        <m:r>
-                          <a:rPr lang="en-US" altLang="ko-KR" i="1">
-                            <a:latin typeface="Cambria Math"/>
-                            <a:ea typeface="Cambria Math"/>
-                          </a:rPr>
-                          <m:t>𝑊</m:t>
-                        </m:r>
-                      </m:e>
-                      <m:sub>
-                        <m:r>
-                          <a:rPr lang="en-US" altLang="ko-KR" i="1">
-                            <a:latin typeface="Cambria Math"/>
-                            <a:ea typeface="Cambria Math"/>
-                          </a:rPr>
-                          <m:t>2</m:t>
-                        </m:r>
-                      </m:sub>
-                    </m:sSub>
-                  </m:oMath>
-                </a14:m>
-                <a:r>
-                  <a:rPr lang="ko-KR" altLang="en-US" dirty="0" smtClean="0"/>
-                  <a:t>의 </a:t>
-                </a:r>
-                <a:r>
-                  <a:rPr lang="en-US" altLang="ko-KR" dirty="0" smtClean="0"/>
-                  <a:t>feature map</a:t>
-                </a:r>
-                <a:r>
-                  <a:rPr lang="ko-KR" altLang="en-US" dirty="0" smtClean="0"/>
-                  <a:t>을 도출</a:t>
-                </a:r>
-                <a:endParaRPr lang="en-US" altLang="ko-KR" dirty="0" smtClean="0"/>
-              </a:p>
-              <a:p>
-                <a:pPr lvl="1">
-                  <a:buSzPct val="100000"/>
-                </a:pPr>
-                <a:r>
-                  <a:rPr lang="en-US" altLang="ko-KR" dirty="0" smtClean="0"/>
-                  <a:t>FCN</a:t>
-                </a:r>
-                <a:r>
-                  <a:rPr lang="ko-KR" altLang="en-US" dirty="0" smtClean="0"/>
-                  <a:t>의 </a:t>
-                </a:r>
-                <a:r>
-                  <a:rPr lang="en-US" altLang="ko-KR" dirty="0" smtClean="0"/>
-                  <a:t>Deconvolution(7x7)</a:t>
-                </a:r>
-                <a:r>
-                  <a:rPr lang="ko-KR" altLang="en-US" dirty="0" smtClean="0"/>
-                  <a:t>과 비교했을 </a:t>
-                </a:r>
-                <a:r>
-                  <a:rPr lang="ko-KR" altLang="en-US" dirty="0"/>
-                  <a:t>때</a:t>
-                </a:r>
-                <a:r>
-                  <a:rPr lang="en-US" altLang="ko-KR" dirty="0" smtClean="0"/>
-                  <a:t>, </a:t>
-                </a:r>
-                <a:r>
-                  <a:rPr lang="ko-KR" altLang="en-US" dirty="0" smtClean="0"/>
-                  <a:t>같은 크기의 </a:t>
-                </a:r>
-                <a:r>
-                  <a:rPr lang="en-US" altLang="ko-KR" dirty="0" smtClean="0"/>
-                  <a:t>receptive field</a:t>
-                </a:r>
-                <a:br>
-                  <a:rPr lang="en-US" altLang="ko-KR" dirty="0" smtClean="0"/>
-                </a:br>
-                <a:r>
-                  <a:rPr lang="en-US" altLang="ko-KR" dirty="0" smtClean="0"/>
-                  <a:t>(7x7)</a:t>
-                </a:r>
-                <a:r>
-                  <a:rPr lang="ko-KR" altLang="en-US" dirty="0" smtClean="0"/>
-                  <a:t>를 생성하기 위한 </a:t>
-                </a:r>
-                <a:r>
-                  <a:rPr lang="en-US" altLang="ko-KR" dirty="0" smtClean="0"/>
-                  <a:t>filter</a:t>
-                </a:r>
-                <a:r>
-                  <a:rPr lang="ko-KR" altLang="en-US" dirty="0" smtClean="0"/>
-                  <a:t>의 크기가 </a:t>
-                </a:r>
-                <a:r>
-                  <a:rPr lang="en-US" altLang="ko-KR" dirty="0" smtClean="0"/>
-                  <a:t>Upsampling + dilated Conv(3x3)</a:t>
-                </a:r>
-                <a:br>
-                  <a:rPr lang="en-US" altLang="ko-KR" dirty="0" smtClean="0"/>
-                </a:br>
-                <a:r>
-                  <a:rPr lang="ko-KR" altLang="en-US" dirty="0" smtClean="0"/>
-                  <a:t>에서 더 작기 때문에 계산량이 훨씬 적음</a:t>
-                </a:r>
-                <a:endParaRPr lang="ko-KR" altLang="en-US" dirty="0"/>
-              </a:p>
-            </p:txBody>
-          </p:sp>
-        </mc:Choice>
-        <mc:Fallback xmlns="">
-          <p:sp>
-            <p:nvSpPr>
-              <p:cNvPr id="2" name="내용 개체 틀 1"/>
-              <p:cNvSpPr>
-                <a:spLocks noGrp="1" noRot="1" noChangeAspect="1" noMove="1" noResize="1" noEditPoints="1" noAdjustHandles="1" noChangeArrowheads="1" noChangeShapeType="1" noTextEdit="1"/>
-              </p:cNvSpPr>
-              <p:nvPr>
-                <p:ph sz="half" idx="10"/>
-              </p:nvPr>
-            </p:nvSpPr>
-            <p:spPr>
-              <a:blipFill rotWithShape="1">
-                <a:blip r:embed="rId4"/>
-                <a:stretch>
-                  <a:fillRect l="-934"/>
-                </a:stretch>
-              </a:blipFill>
-            </p:spPr>
-            <p:txBody>
-              <a:bodyPr/>
-              <a:lstStyle/>
-              <a:p>
-                <a:r>
-                  <a:rPr lang="ko-KR" altLang="en-US">
-                    <a:noFill/>
-                  </a:rPr>
-                  <a:t> </a:t>
-                </a:r>
-              </a:p>
-            </p:txBody>
-          </p:sp>
-        </mc:Fallback>
-      </mc:AlternateContent>
-      <p:sp>
-        <p:nvSpPr>
-          <p:cNvPr id="3" name="텍스트 개체 틀 2"/>
-          <p:cNvSpPr>
-            <a:spLocks noGrp="1"/>
-          </p:cNvSpPr>
-          <p:nvPr>
-            <p:ph type="body" sz="quarter" idx="12"/>
-          </p:nvPr>
-        </p:nvSpPr>
-        <p:spPr/>
-        <p:txBody>
-          <a:bodyPr/>
-          <a:lstStyle/>
-          <a:p>
-            <a:r>
-              <a:rPr lang="en-US" altLang="ko-KR" dirty="0" smtClean="0"/>
-              <a:t>Contributions(III)</a:t>
-            </a:r>
-            <a:endParaRPr lang="ko-KR" altLang="en-US" dirty="0"/>
-          </a:p>
-        </p:txBody>
-      </p:sp>
-      <p:sp>
-        <p:nvSpPr>
-          <p:cNvPr id="6" name="TextBox 5"/>
-          <p:cNvSpPr txBox="1"/>
-          <p:nvPr/>
-        </p:nvSpPr>
-        <p:spPr>
-          <a:xfrm>
-            <a:off x="7224568" y="5589240"/>
-            <a:ext cx="1739920" cy="738664"/>
-          </a:xfrm>
-          <a:prstGeom prst="rect">
-            <a:avLst/>
-          </a:prstGeom>
-          <a:noFill/>
-        </p:spPr>
-        <p:txBody>
-          <a:bodyPr wrap="square" rtlCol="0">
-            <a:spAutoFit/>
-          </a:bodyPr>
-          <a:lstStyle/>
-          <a:p>
-            <a:r>
-              <a:rPr lang="en-US" altLang="ko-KR" sz="1400" dirty="0" smtClean="0">
-                <a:latin typeface="Arial Unicode MS" panose="020B0604020202020204" pitchFamily="50" charset="-127"/>
-                <a:ea typeface="Arial Unicode MS" panose="020B0604020202020204" pitchFamily="50" charset="-127"/>
-                <a:cs typeface="Arial Unicode MS" panose="020B0604020202020204" pitchFamily="50" charset="-127"/>
-              </a:rPr>
-              <a:t>Dilated Convolution Filter with Dilation factor 2</a:t>
-            </a:r>
-            <a:endParaRPr lang="ko-KR" altLang="en-US" sz="1400" dirty="0" smtClean="0">
-              <a:latin typeface="Arial Unicode MS" panose="020B0604020202020204" pitchFamily="50" charset="-127"/>
-              <a:ea typeface="Arial Unicode MS" panose="020B0604020202020204" pitchFamily="50" charset="-127"/>
-              <a:cs typeface="Arial Unicode MS" panose="020B0604020202020204" pitchFamily="50" charset="-127"/>
-            </a:endParaRPr>
-          </a:p>
-        </p:txBody>
-      </p:sp>
-      <p:pic>
-        <p:nvPicPr>
-          <p:cNvPr id="3076" name="Picture 4"/>
-          <p:cNvPicPr>
-            <a:picLocks noChangeAspect="1" noChangeArrowheads="1"/>
-          </p:cNvPicPr>
-          <p:nvPr/>
-        </p:nvPicPr>
-        <p:blipFill>
-          <a:blip r:embed="rId5">
-            <a:extLst>
-              <a:ext uri="{28A0092B-C50C-407E-A947-70E740481C1C}">
-                <a14:useLocalDpi xmlns:a14="http://schemas.microsoft.com/office/drawing/2010/main" val="0"/>
-              </a:ext>
-            </a:extLst>
-          </a:blip>
-          <a:srcRect/>
-          <a:stretch>
-            <a:fillRect/>
-          </a:stretch>
-        </p:blipFill>
-        <p:spPr bwMode="auto">
-          <a:xfrm>
-            <a:off x="7236296" y="3874740"/>
-            <a:ext cx="1666875" cy="1714500"/>
-          </a:xfrm>
-          <a:prstGeom prst="rect">
-            <a:avLst/>
-          </a:prstGeom>
-          <a:noFill/>
-          <a:ln>
-            <a:noFill/>
-          </a:ln>
-          <a:extLst>
-            <a:ext uri="{909E8E84-426E-40DD-AFC4-6F175D3DCCD1}">
-              <a14:hiddenFill xmlns:a14="http://schemas.microsoft.com/office/drawing/2010/main">
-                <a:solidFill>
-                  <a:schemeClr val="accent1"/>
-                </a:solidFill>
-              </a14:hiddenFill>
-            </a:ext>
-            <a:ext uri="{91240B29-F687-4F45-9708-019B960494DF}">
-              <a14:hiddenLine xmlns:a14="http://schemas.microsoft.com/office/drawing/2010/main" w="9525">
-                <a:solidFill>
-                  <a:schemeClr val="tx1"/>
-                </a:solidFill>
-                <a:miter lim="800000"/>
-                <a:headEnd/>
-                <a:tailEnd/>
-              </a14:hiddenLine>
-            </a:ext>
-          </a:extLst>
-        </p:spPr>
-      </p:pic>
     </p:spTree>
     <p:extLst>
       <p:ext uri="{BB962C8B-B14F-4D97-AF65-F5344CB8AC3E}">
-        <p14:creationId xmlns:p14="http://schemas.microsoft.com/office/powerpoint/2010/main" val="3488600555"/>
+        <p14:creationId xmlns:p14="http://schemas.microsoft.com/office/powerpoint/2010/main" val="3549936469"/>
       </p:ext>
     </p:extLst>
   </p:cSld>
@@ -12256,497 +12023,213 @@
           <a:chExt cx="0" cy="0"/>
         </a:xfrm>
       </p:grpSpPr>
-      <p:grpSp>
-        <p:nvGrpSpPr>
-          <p:cNvPr id="5" name="그룹 4"/>
-          <p:cNvGrpSpPr/>
-          <p:nvPr/>
-        </p:nvGrpSpPr>
-        <p:grpSpPr>
-          <a:xfrm>
-            <a:off x="5684272" y="632189"/>
-            <a:ext cx="3456384" cy="2652795"/>
-            <a:chOff x="5684272" y="632189"/>
-            <a:chExt cx="3456384" cy="2652795"/>
-          </a:xfrm>
-        </p:grpSpPr>
-        <p:pic>
-          <p:nvPicPr>
-            <p:cNvPr id="3074" name="Picture 2"/>
-            <p:cNvPicPr>
-              <a:picLocks noChangeAspect="1" noChangeArrowheads="1"/>
-            </p:cNvPicPr>
-            <p:nvPr/>
-          </p:nvPicPr>
-          <p:blipFill rotWithShape="1">
-            <a:blip r:embed="rId2">
-              <a:extLst>
-                <a:ext uri="{BEBA8EAE-BF5A-486C-A8C5-ECC9F3942E4B}">
-                  <a14:imgProps xmlns:a14="http://schemas.microsoft.com/office/drawing/2010/main">
-                    <a14:imgLayer r:embed="rId3">
-                      <a14:imgEffect>
-                        <a14:sharpenSoften amount="50000"/>
-                      </a14:imgEffect>
-                    </a14:imgLayer>
-                  </a14:imgProps>
-                </a:ext>
-                <a:ext uri="{28A0092B-C50C-407E-A947-70E740481C1C}">
-                  <a14:useLocalDpi xmlns:a14="http://schemas.microsoft.com/office/drawing/2010/main" val="0"/>
-                </a:ext>
-              </a:extLst>
-            </a:blip>
-            <a:srcRect b="6425"/>
-            <a:stretch/>
-          </p:blipFill>
-          <p:spPr bwMode="auto">
-            <a:xfrm>
-              <a:off x="5684272" y="632189"/>
-              <a:ext cx="3456384" cy="2652795"/>
-            </a:xfrm>
-            <a:prstGeom prst="rect">
-              <a:avLst/>
-            </a:prstGeom>
-            <a:noFill/>
-            <a:ln>
-              <a:noFill/>
-            </a:ln>
-            <a:extLst>
-              <a:ext uri="{909E8E84-426E-40DD-AFC4-6F175D3DCCD1}">
-                <a14:hiddenFill xmlns:a14="http://schemas.microsoft.com/office/drawing/2010/main">
-                  <a:solidFill>
-                    <a:schemeClr val="accent1"/>
-                  </a:solidFill>
-                </a14:hiddenFill>
-              </a:ext>
-              <a:ext uri="{91240B29-F687-4F45-9708-019B960494DF}">
-                <a14:hiddenLine xmlns:a14="http://schemas.microsoft.com/office/drawing/2010/main" w="9525">
-                  <a:solidFill>
-                    <a:schemeClr val="tx1"/>
-                  </a:solidFill>
-                  <a:miter lim="800000"/>
-                  <a:headEnd/>
-                  <a:tailEnd/>
-                </a14:hiddenLine>
-              </a:ext>
-            </a:extLst>
-          </p:spPr>
-        </p:pic>
-        <p:sp>
-          <p:nvSpPr>
-            <p:cNvPr id="4" name="TextBox 3"/>
-            <p:cNvSpPr txBox="1"/>
-            <p:nvPr/>
-          </p:nvSpPr>
-          <p:spPr>
-            <a:xfrm>
-              <a:off x="7224568" y="2942926"/>
-              <a:ext cx="720080" cy="307777"/>
-            </a:xfrm>
-            <a:prstGeom prst="rect">
-              <a:avLst/>
-            </a:prstGeom>
-            <a:noFill/>
-            <a:ln>
-              <a:solidFill>
-                <a:schemeClr val="tx1"/>
-              </a:solidFill>
-            </a:ln>
-          </p:spPr>
-          <p:txBody>
-            <a:bodyPr wrap="square" rtlCol="0">
-              <a:spAutoFit/>
-            </a:bodyPr>
-            <a:lstStyle/>
-            <a:p>
-              <a:pPr algn="ctr"/>
-              <a:r>
-                <a:rPr lang="en-US" altLang="ko-KR" sz="1400" dirty="0" smtClean="0">
-                  <a:latin typeface="Arial Unicode MS" panose="020B0604020202020204" pitchFamily="50" charset="-127"/>
-                  <a:ea typeface="Arial Unicode MS" panose="020B0604020202020204" pitchFamily="50" charset="-127"/>
-                  <a:cs typeface="Arial Unicode MS" panose="020B0604020202020204" pitchFamily="50" charset="-127"/>
-                </a:rPr>
-                <a:t>CFF</a:t>
-              </a:r>
-              <a:endParaRPr lang="ko-KR" altLang="en-US" sz="1200" dirty="0" smtClean="0">
-                <a:latin typeface="Arial Unicode MS" panose="020B0604020202020204" pitchFamily="50" charset="-127"/>
-                <a:ea typeface="Arial Unicode MS" panose="020B0604020202020204" pitchFamily="50" charset="-127"/>
-                <a:cs typeface="Arial Unicode MS" panose="020B0604020202020204" pitchFamily="50" charset="-127"/>
-              </a:endParaRPr>
-            </a:p>
-          </p:txBody>
-        </p:sp>
-      </p:grpSp>
-      <mc:AlternateContent xmlns:mc="http://schemas.openxmlformats.org/markup-compatibility/2006" xmlns:a14="http://schemas.microsoft.com/office/drawing/2010/main">
-        <mc:Choice Requires="a14">
-          <p:sp>
-            <p:nvSpPr>
-              <p:cNvPr id="2" name="내용 개체 틀 1"/>
-              <p:cNvSpPr>
-                <a:spLocks noGrp="1"/>
-              </p:cNvSpPr>
-              <p:nvPr>
-                <p:ph sz="half" idx="10"/>
-              </p:nvPr>
-            </p:nvSpPr>
-            <p:spPr/>
-            <p:txBody>
-              <a:bodyPr/>
-              <a:lstStyle/>
-              <a:p>
-                <a:pPr lvl="1">
-                  <a:buSzPct val="100000"/>
-                </a:pPr>
-                <a:r>
-                  <a:rPr lang="en-US" altLang="ko-KR" dirty="0" smtClean="0"/>
-                  <a:t>F2 feature map</a:t>
-                </a:r>
-                <a:r>
-                  <a:rPr lang="ko-KR" altLang="en-US" dirty="0" smtClean="0"/>
-                  <a:t>에는 </a:t>
-                </a:r>
-                <a14:m>
-                  <m:oMath xmlns:m="http://schemas.openxmlformats.org/officeDocument/2006/math">
-                    <m:sSub>
-                      <m:sSubPr>
-                        <m:ctrlPr>
-                          <a:rPr lang="en-US" altLang="ko-KR" i="1">
-                            <a:latin typeface="Cambria Math"/>
-                          </a:rPr>
-                        </m:ctrlPr>
-                      </m:sSubPr>
-                      <m:e>
-                        <m:r>
-                          <a:rPr lang="en-US" altLang="ko-KR" i="1">
-                            <a:latin typeface="Cambria Math"/>
-                          </a:rPr>
-                          <m:t>𝐶</m:t>
-                        </m:r>
-                      </m:e>
-                      <m:sub>
-                        <m:r>
-                          <a:rPr lang="en-US" altLang="ko-KR" i="1">
-                            <a:latin typeface="Cambria Math"/>
-                          </a:rPr>
-                          <m:t>3</m:t>
-                        </m:r>
-                      </m:sub>
-                    </m:sSub>
-                    <m:r>
-                      <a:rPr lang="en-US" altLang="ko-KR" i="1">
-                        <a:latin typeface="Cambria Math"/>
-                        <a:ea typeface="Cambria Math"/>
-                      </a:rPr>
-                      <m:t>×</m:t>
-                    </m:r>
-                    <m:r>
-                      <a:rPr lang="en-US" altLang="ko-KR" b="0" i="1" smtClean="0">
-                        <a:latin typeface="Cambria Math"/>
-                        <a:ea typeface="Cambria Math"/>
-                      </a:rPr>
-                      <m:t>1</m:t>
-                    </m:r>
-                    <m:r>
-                      <a:rPr lang="en-US" altLang="ko-KR" i="1">
-                        <a:latin typeface="Cambria Math"/>
-                        <a:ea typeface="Cambria Math"/>
-                      </a:rPr>
-                      <m:t>×</m:t>
-                    </m:r>
-                    <m:r>
-                      <a:rPr lang="en-US" altLang="ko-KR" b="0" i="1" smtClean="0">
-                        <a:latin typeface="Cambria Math"/>
-                        <a:ea typeface="Cambria Math"/>
-                      </a:rPr>
-                      <m:t>1</m:t>
-                    </m:r>
-                  </m:oMath>
-                </a14:m>
-                <a:r>
-                  <a:rPr lang="ko-KR" altLang="en-US" dirty="0" smtClean="0"/>
-                  <a:t> 크기의 </a:t>
-                </a:r>
-                <a:r>
-                  <a:rPr lang="en-US" altLang="ko-KR" dirty="0" smtClean="0"/>
-                  <a:t>filter</a:t>
-                </a:r>
-                <a:r>
-                  <a:rPr lang="ko-KR" altLang="en-US" dirty="0" smtClean="0"/>
-                  <a:t>와 </a:t>
-                </a:r>
-                <a:r>
-                  <a:rPr lang="en-US" altLang="ko-KR" dirty="0" smtClean="0"/>
-                  <a:t/>
-                </a:r>
-                <a:br>
-                  <a:rPr lang="en-US" altLang="ko-KR" dirty="0" smtClean="0"/>
-                </a:br>
-                <a:r>
-                  <a:rPr lang="en-US" altLang="ko-KR" dirty="0" smtClean="0"/>
-                  <a:t>convolution(Projection Conv)</a:t>
-                </a:r>
-                <a:r>
-                  <a:rPr lang="ko-KR" altLang="en-US" dirty="0" smtClean="0"/>
-                  <a:t>하여 </a:t>
-                </a:r>
-                <a:r>
-                  <a:rPr lang="en-US" altLang="ko-KR" dirty="0" smtClean="0"/>
-                  <a:t>F1</a:t>
-                </a:r>
-                <a:r>
-                  <a:rPr lang="ko-KR" altLang="en-US" dirty="0" smtClean="0"/>
-                  <a:t>의 </a:t>
-                </a:r>
-                <a:r>
-                  <a:rPr lang="en-US" altLang="ko-KR" dirty="0" smtClean="0"/>
-                  <a:t>output</a:t>
-                </a:r>
-                <a:r>
-                  <a:rPr lang="ko-KR" altLang="en-US" dirty="0" smtClean="0"/>
-                  <a:t>과 </a:t>
-                </a:r>
-                <a:r>
-                  <a:rPr lang="ko-KR" altLang="en-US" dirty="0"/>
-                  <a:t>같은</a:t>
-                </a:r>
-                <a:r>
-                  <a:rPr lang="en-US" altLang="ko-KR" dirty="0" smtClean="0"/>
-                  <a:t/>
-                </a:r>
-                <a:br>
-                  <a:rPr lang="en-US" altLang="ko-KR" dirty="0" smtClean="0"/>
-                </a:br>
-                <a:r>
-                  <a:rPr lang="en-US" altLang="ko-KR" dirty="0" smtClean="0"/>
-                  <a:t>channel</a:t>
-                </a:r>
-                <a:r>
-                  <a:rPr lang="ko-KR" altLang="en-US" dirty="0" smtClean="0"/>
-                  <a:t>의 </a:t>
-                </a:r>
-                <a14:m>
-                  <m:oMath xmlns:m="http://schemas.openxmlformats.org/officeDocument/2006/math">
-                    <m:sSub>
-                      <m:sSubPr>
-                        <m:ctrlPr>
-                          <a:rPr lang="en-US" altLang="ko-KR" i="1">
-                            <a:latin typeface="Cambria Math"/>
-                          </a:rPr>
-                        </m:ctrlPr>
-                      </m:sSubPr>
-                      <m:e>
-                        <m:r>
-                          <a:rPr lang="en-US" altLang="ko-KR" i="1">
-                            <a:latin typeface="Cambria Math"/>
-                          </a:rPr>
-                          <m:t>𝐶</m:t>
-                        </m:r>
-                      </m:e>
-                      <m:sub>
-                        <m:r>
-                          <a:rPr lang="en-US" altLang="ko-KR" i="1">
-                            <a:latin typeface="Cambria Math"/>
-                          </a:rPr>
-                          <m:t>3</m:t>
-                        </m:r>
-                      </m:sub>
-                    </m:sSub>
-                    <m:r>
-                      <a:rPr lang="en-US" altLang="ko-KR" i="1">
-                        <a:latin typeface="Cambria Math"/>
-                        <a:ea typeface="Cambria Math"/>
-                      </a:rPr>
-                      <m:t>×</m:t>
-                    </m:r>
-                    <m:sSub>
-                      <m:sSubPr>
-                        <m:ctrlPr>
-                          <a:rPr lang="en-US" altLang="ko-KR" i="1">
-                            <a:latin typeface="Cambria Math"/>
-                            <a:ea typeface="Cambria Math"/>
-                          </a:rPr>
-                        </m:ctrlPr>
-                      </m:sSubPr>
-                      <m:e>
-                        <m:r>
-                          <a:rPr lang="en-US" altLang="ko-KR" i="1">
-                            <a:latin typeface="Cambria Math"/>
-                            <a:ea typeface="Cambria Math"/>
-                          </a:rPr>
-                          <m:t>𝐻</m:t>
-                        </m:r>
-                      </m:e>
-                      <m:sub>
-                        <m:r>
-                          <a:rPr lang="en-US" altLang="ko-KR" i="1">
-                            <a:latin typeface="Cambria Math"/>
-                            <a:ea typeface="Cambria Math"/>
-                          </a:rPr>
-                          <m:t>2</m:t>
-                        </m:r>
-                      </m:sub>
-                    </m:sSub>
-                    <m:r>
-                      <a:rPr lang="en-US" altLang="ko-KR" i="1">
-                        <a:latin typeface="Cambria Math"/>
-                        <a:ea typeface="Cambria Math"/>
-                      </a:rPr>
-                      <m:t>×</m:t>
-                    </m:r>
-                    <m:sSub>
-                      <m:sSubPr>
-                        <m:ctrlPr>
-                          <a:rPr lang="en-US" altLang="ko-KR" i="1">
-                            <a:latin typeface="Cambria Math"/>
-                            <a:ea typeface="Cambria Math"/>
-                          </a:rPr>
-                        </m:ctrlPr>
-                      </m:sSubPr>
-                      <m:e>
-                        <m:r>
-                          <a:rPr lang="en-US" altLang="ko-KR" i="1">
-                            <a:latin typeface="Cambria Math"/>
-                            <a:ea typeface="Cambria Math"/>
-                          </a:rPr>
-                          <m:t>𝑊</m:t>
-                        </m:r>
-                      </m:e>
-                      <m:sub>
-                        <m:r>
-                          <a:rPr lang="en-US" altLang="ko-KR" i="1">
-                            <a:latin typeface="Cambria Math"/>
-                            <a:ea typeface="Cambria Math"/>
-                          </a:rPr>
-                          <m:t>2</m:t>
-                        </m:r>
-                      </m:sub>
-                    </m:sSub>
-                  </m:oMath>
-                </a14:m>
-                <a:r>
-                  <a:rPr lang="ko-KR" altLang="en-US" dirty="0" smtClean="0"/>
-                  <a:t>의 크기로 조정</a:t>
-                </a:r>
-                <a:endParaRPr lang="en-US" altLang="ko-KR" dirty="0" smtClean="0"/>
-              </a:p>
-              <a:p>
-                <a:pPr lvl="1">
-                  <a:buSzPct val="100000"/>
-                </a:pPr>
-                <a:r>
-                  <a:rPr lang="en-US" altLang="ko-KR" dirty="0" smtClean="0"/>
-                  <a:t>Batch Normalization</a:t>
-                </a:r>
-                <a:r>
-                  <a:rPr lang="ko-KR" altLang="en-US" dirty="0" smtClean="0"/>
-                  <a:t>과 </a:t>
-                </a:r>
-                <a:r>
-                  <a:rPr lang="en-US" altLang="ko-KR" dirty="0" smtClean="0"/>
-                  <a:t>SUM, ReLU</a:t>
-                </a:r>
-                <a:r>
-                  <a:rPr lang="ko-KR" altLang="en-US" dirty="0" smtClean="0"/>
-                  <a:t>를 통해 </a:t>
-                </a:r>
-                <a:r>
-                  <a:rPr lang="en-US" altLang="ko-KR" dirty="0" smtClean="0"/>
-                  <a:t>fused F2’</a:t>
-                </a:r>
-                <a:br>
-                  <a:rPr lang="en-US" altLang="ko-KR" dirty="0" smtClean="0"/>
-                </a:br>
-                <a:r>
-                  <a:rPr lang="ko-KR" altLang="en-US" dirty="0" smtClean="0"/>
-                  <a:t>을 결과로 도출</a:t>
-                </a:r>
-                <a:endParaRPr lang="en-US" altLang="ko-KR" dirty="0" smtClean="0"/>
-              </a:p>
-              <a:p>
-                <a:pPr lvl="1">
-                  <a:buSzPct val="100000"/>
-                </a:pPr>
-                <a:r>
-                  <a:rPr lang="en-US" altLang="ko-KR" dirty="0" smtClean="0"/>
-                  <a:t>F1</a:t>
-                </a:r>
-                <a:r>
-                  <a:rPr lang="ko-KR" altLang="en-US" dirty="0" smtClean="0"/>
-                  <a:t>을 학습시키기 위해 </a:t>
-                </a:r>
-                <a:r>
-                  <a:rPr lang="en-US" altLang="ko-KR" dirty="0" smtClean="0"/>
-                  <a:t>Upsampled F1</a:t>
-                </a:r>
-                <a:r>
-                  <a:rPr lang="ko-KR" altLang="en-US" dirty="0" smtClean="0"/>
-                  <a:t>을</a:t>
-                </a:r>
-                <a:r>
-                  <a:rPr lang="en-US" altLang="ko-KR" dirty="0" smtClean="0"/>
-                  <a:t/>
-                </a:r>
-                <a:br>
-                  <a:rPr lang="en-US" altLang="ko-KR" dirty="0" smtClean="0"/>
-                </a:br>
-                <a:r>
-                  <a:rPr lang="ko-KR" altLang="en-US" dirty="0" smtClean="0"/>
-                  <a:t> </a:t>
-                </a:r>
-                <a:r>
-                  <a:rPr lang="en-US" altLang="ko-KR" dirty="0" smtClean="0"/>
-                  <a:t>Ground Truth Label</a:t>
-                </a:r>
-                <a:r>
-                  <a:rPr lang="ko-KR" altLang="en-US" dirty="0" smtClean="0"/>
-                  <a:t>과 비교하여 </a:t>
-                </a:r>
-                <a:r>
-                  <a:rPr lang="en-US" altLang="ko-KR" dirty="0" smtClean="0"/>
-                  <a:t>loss</a:t>
-                </a:r>
-                <a:r>
-                  <a:rPr lang="ko-KR" altLang="en-US" dirty="0" smtClean="0"/>
-                  <a:t>값 산출</a:t>
-                </a:r>
-                <a:endParaRPr lang="ko-KR" altLang="en-US" dirty="0"/>
-              </a:p>
-            </p:txBody>
-          </p:sp>
-        </mc:Choice>
-        <mc:Fallback xmlns="">
-          <p:sp>
-            <p:nvSpPr>
-              <p:cNvPr id="2" name="내용 개체 틀 1"/>
-              <p:cNvSpPr>
-                <a:spLocks noGrp="1" noRot="1" noChangeAspect="1" noMove="1" noResize="1" noEditPoints="1" noAdjustHandles="1" noChangeArrowheads="1" noChangeShapeType="1" noTextEdit="1"/>
-              </p:cNvSpPr>
-              <p:nvPr>
-                <p:ph sz="half" idx="10"/>
-              </p:nvPr>
-            </p:nvSpPr>
-            <p:spPr>
-              <a:blipFill rotWithShape="1">
-                <a:blip r:embed="rId4"/>
-                <a:stretch>
-                  <a:fillRect/>
-                </a:stretch>
-              </a:blipFill>
-            </p:spPr>
-            <p:txBody>
-              <a:bodyPr/>
-              <a:lstStyle/>
-              <a:p>
-                <a:r>
-                  <a:rPr lang="ko-KR" altLang="en-US">
-                    <a:noFill/>
-                  </a:rPr>
-                  <a:t> </a:t>
-                </a:r>
-              </a:p>
-            </p:txBody>
-          </p:sp>
-        </mc:Fallback>
-      </mc:AlternateContent>
+      <p:sp>
+        <p:nvSpPr>
+          <p:cNvPr id="2" name="내용 개체 틀 1"/>
+          <p:cNvSpPr>
+            <a:spLocks noGrp="1"/>
+          </p:cNvSpPr>
+          <p:nvPr>
+            <p:ph sz="half" idx="10"/>
+          </p:nvPr>
+        </p:nvSpPr>
+        <p:spPr/>
+        <p:txBody>
+          <a:bodyPr/>
+          <a:lstStyle/>
+          <a:p>
+            <a:pPr lvl="1">
+              <a:buSzPct val="100000"/>
+            </a:pPr>
+            <a:r>
+              <a:rPr lang="en-US" altLang="ko-KR" dirty="0" err="1" smtClean="0"/>
+              <a:t>ShuffleNet</a:t>
+            </a:r>
+            <a:endParaRPr lang="en-US" altLang="ko-KR" dirty="0" smtClean="0"/>
+          </a:p>
+          <a:p>
+            <a:pPr lvl="2">
+              <a:buSzPct val="100000"/>
+            </a:pPr>
+            <a:r>
+              <a:rPr lang="en-US" altLang="ko-KR" dirty="0" smtClean="0"/>
+              <a:t>Grouped convolution</a:t>
+            </a:r>
+            <a:r>
+              <a:rPr lang="ko-KR" altLang="en-US" dirty="0" smtClean="0"/>
+              <a:t>을 사용</a:t>
+            </a:r>
+            <a:endParaRPr lang="en-US" altLang="ko-KR" dirty="0" smtClean="0"/>
+          </a:p>
+          <a:p>
+            <a:pPr lvl="2">
+              <a:buSzPct val="100000"/>
+            </a:pPr>
+            <a:r>
+              <a:rPr lang="en-US" altLang="ko-KR" dirty="0" smtClean="0"/>
+              <a:t>Grouped convolution</a:t>
+            </a:r>
+            <a:r>
+              <a:rPr lang="ko-KR" altLang="en-US" dirty="0" smtClean="0"/>
+              <a:t>은 앞서 언급된 </a:t>
+            </a:r>
+            <a:r>
+              <a:rPr lang="en-US" altLang="ko-KR" dirty="0" smtClean="0"/>
+              <a:t>depth-wise separable convolution</a:t>
+            </a:r>
+            <a:r>
+              <a:rPr lang="ko-KR" altLang="en-US" dirty="0" smtClean="0"/>
+              <a:t>의 일반적 경우로</a:t>
+            </a:r>
+            <a:r>
+              <a:rPr lang="en-US" altLang="ko-KR" dirty="0" smtClean="0"/>
+              <a:t>,</a:t>
+            </a:r>
+            <a:r>
+              <a:rPr lang="en-US" altLang="ko-KR" dirty="0"/>
+              <a:t> </a:t>
+            </a:r>
+            <a:r>
+              <a:rPr lang="en-US" altLang="ko-KR" dirty="0" smtClean="0"/>
+              <a:t>input</a:t>
+            </a:r>
+            <a:r>
+              <a:rPr lang="ko-KR" altLang="en-US" dirty="0" smtClean="0"/>
+              <a:t>을 그룹으로 나누어 각 그룹마다 </a:t>
+            </a:r>
+            <a:r>
+              <a:rPr lang="en-US" altLang="ko-KR" dirty="0" smtClean="0"/>
+              <a:t>filter</a:t>
+            </a:r>
+            <a:r>
+              <a:rPr lang="ko-KR" altLang="en-US" dirty="0" smtClean="0"/>
+              <a:t>가 존재</a:t>
+            </a:r>
+            <a:r>
+              <a:rPr lang="en-US" altLang="ko-KR" dirty="0" smtClean="0"/>
+              <a:t>(depth-wise</a:t>
+            </a:r>
+            <a:r>
+              <a:rPr lang="ko-KR" altLang="en-US" dirty="0" smtClean="0"/>
+              <a:t>의 경우 </a:t>
+            </a:r>
+            <a:r>
+              <a:rPr lang="en-US" altLang="ko-KR" dirty="0" smtClean="0"/>
+              <a:t>1</a:t>
+            </a:r>
+            <a:r>
+              <a:rPr lang="ko-KR" altLang="en-US" dirty="0" smtClean="0"/>
+              <a:t>개의 </a:t>
+            </a:r>
+            <a:r>
+              <a:rPr lang="en-US" altLang="ko-KR" dirty="0" smtClean="0"/>
+              <a:t>channel</a:t>
+            </a:r>
+            <a:r>
+              <a:rPr lang="ko-KR" altLang="en-US" dirty="0" smtClean="0"/>
+              <a:t>마다 독립적 </a:t>
+            </a:r>
+            <a:r>
+              <a:rPr lang="en-US" altLang="ko-KR" dirty="0" smtClean="0"/>
+              <a:t>filter</a:t>
+            </a:r>
+            <a:r>
+              <a:rPr lang="ko-KR" altLang="en-US" dirty="0" smtClean="0"/>
+              <a:t>를 두었다면</a:t>
+            </a:r>
+            <a:r>
+              <a:rPr lang="en-US" altLang="ko-KR" dirty="0" smtClean="0"/>
+              <a:t>, grouped</a:t>
+            </a:r>
+            <a:r>
+              <a:rPr lang="ko-KR" altLang="en-US" dirty="0" smtClean="0"/>
+              <a:t>는 여러 개의 </a:t>
+            </a:r>
+            <a:r>
+              <a:rPr lang="en-US" altLang="ko-KR" dirty="0" smtClean="0"/>
+              <a:t>channel</a:t>
+            </a:r>
+            <a:r>
+              <a:rPr lang="ko-KR" altLang="en-US" dirty="0" smtClean="0"/>
+              <a:t>에 독립적 </a:t>
+            </a:r>
+            <a:r>
+              <a:rPr lang="en-US" altLang="ko-KR" dirty="0" smtClean="0"/>
+              <a:t>filter</a:t>
+            </a:r>
+            <a:r>
+              <a:rPr lang="ko-KR" altLang="en-US" dirty="0" smtClean="0"/>
+              <a:t>를 둠</a:t>
+            </a:r>
+            <a:r>
+              <a:rPr lang="en-US" altLang="ko-KR" dirty="0" smtClean="0"/>
+              <a:t>)</a:t>
+            </a:r>
+          </a:p>
+          <a:p>
+            <a:pPr lvl="2">
+              <a:buSzPct val="100000"/>
+            </a:pPr>
+            <a:r>
+              <a:rPr lang="ko-KR" altLang="en-US" dirty="0" smtClean="0"/>
+              <a:t>병렬처리에 유리하고 일반적 </a:t>
+            </a:r>
+            <a:r>
+              <a:rPr lang="en-US" altLang="ko-KR" dirty="0" smtClean="0"/>
+              <a:t>CNN</a:t>
+            </a:r>
+            <a:r>
+              <a:rPr lang="ko-KR" altLang="en-US" dirty="0" smtClean="0"/>
+              <a:t>보다 </a:t>
+            </a:r>
+            <a:r>
+              <a:rPr lang="en-US" altLang="ko-KR" dirty="0" smtClean="0"/>
+              <a:t>parameter</a:t>
+            </a:r>
+            <a:r>
+              <a:rPr lang="ko-KR" altLang="en-US" dirty="0" smtClean="0"/>
+              <a:t>의 수가 적다는 장점을 지님</a:t>
+            </a:r>
+            <a:endParaRPr lang="en-US" altLang="ko-KR" dirty="0" smtClean="0"/>
+          </a:p>
+          <a:p>
+            <a:pPr lvl="2">
+              <a:buSzPct val="100000"/>
+            </a:pPr>
+            <a:endParaRPr lang="en-US" altLang="ko-KR" dirty="0" smtClean="0"/>
+          </a:p>
+          <a:p>
+            <a:pPr lvl="2">
+              <a:buSzPct val="100000"/>
+            </a:pPr>
+            <a:endParaRPr lang="en-US" altLang="ko-KR" dirty="0" smtClean="0"/>
+          </a:p>
+          <a:p>
+            <a:pPr lvl="1">
+              <a:buSzPct val="100000"/>
+            </a:pPr>
+            <a:endParaRPr lang="en-US" altLang="ko-KR" dirty="0" smtClean="0"/>
+          </a:p>
+          <a:p>
+            <a:pPr lvl="1">
+              <a:buSzPct val="100000"/>
+            </a:pPr>
+            <a:endParaRPr lang="en-US" altLang="ko-KR" dirty="0" smtClean="0"/>
+          </a:p>
+          <a:p>
+            <a:pPr lvl="2">
+              <a:buSzPct val="100000"/>
+            </a:pPr>
+            <a:endParaRPr lang="en-US" altLang="ko-KR" dirty="0" smtClean="0"/>
+          </a:p>
+          <a:p>
+            <a:pPr lvl="2">
+              <a:buSzPct val="100000"/>
+            </a:pPr>
+            <a:endParaRPr lang="ko-KR" altLang="en-US" dirty="0"/>
+          </a:p>
+        </p:txBody>
+      </p:sp>
       <p:sp>
         <p:nvSpPr>
           <p:cNvPr id="3" name="텍스트 개체 틀 2"/>
@@ -12764,7 +12247,11 @@
           <a:p>
             <a:r>
               <a:rPr lang="en-US" altLang="ko-KR" dirty="0" smtClean="0"/>
-              <a:t>Contributions(IV)</a:t>
+              <a:t>Contributions(V</a:t>
+            </a:r>
+            <a:r>
+              <a:rPr lang="en-US" altLang="ko-KR" dirty="0" smtClean="0"/>
+              <a:t>)</a:t>
             </a:r>
             <a:endParaRPr lang="ko-KR" altLang="en-US" dirty="0"/>
           </a:p>
@@ -12773,7 +12260,7 @@
     </p:spTree>
     <p:extLst>
       <p:ext uri="{BB962C8B-B14F-4D97-AF65-F5344CB8AC3E}">
-        <p14:creationId xmlns:p14="http://schemas.microsoft.com/office/powerpoint/2010/main" val="3270577409"/>
+        <p14:creationId xmlns:p14="http://schemas.microsoft.com/office/powerpoint/2010/main" val="1711538909"/>
       </p:ext>
     </p:extLst>
   </p:cSld>
